--- a/RealGame/PPVerilogEngine/main.pptx
+++ b/RealGame/PPVerilogEngine/main.pptx
@@ -2,18 +2,18 @@
 <file path=ppt/presentation.xml><?xml version="1.0" encoding="utf-8"?>
 <p:presentation xmlns:a="http://schemas.openxmlformats.org/drawingml/2006/main" xmlns:r="http://schemas.openxmlformats.org/officeDocument/2006/relationships" xmlns:p="http://schemas.openxmlformats.org/presentationml/2006/main" saveSubsetFonts="1">
   <p:sldMasterIdLst>
-    <p:sldMasterId id="2147483648" r:id="rId1"/>
+    <p:sldMasterId id="2147483660" r:id="rId1"/>
   </p:sldMasterIdLst>
   <p:sldIdLst>
     <p:sldId id="256" r:id="rId2"/>
   </p:sldIdLst>
-  <p:sldSz cx="12192000" cy="6858000"/>
+  <p:sldSz cx="9144000" cy="6858000" type="screen4x3"/>
   <p:notesSz cx="6858000" cy="9144000"/>
   <p:defaultTextStyle>
     <a:defPPr>
       <a:defRPr lang="en-US"/>
     </a:defPPr>
-    <a:lvl1pPr marL="0" algn="l" defTabSz="914400" rtl="0" eaLnBrk="1" latinLnBrk="0" hangingPunct="1">
+    <a:lvl1pPr marL="0" algn="l" defTabSz="457200" rtl="0" eaLnBrk="1" latinLnBrk="0" hangingPunct="1">
       <a:defRPr sz="1800" kern="1200">
         <a:solidFill>
           <a:schemeClr val="tx1"/>
@@ -23,7 +23,7 @@
         <a:cs typeface="+mn-cs"/>
       </a:defRPr>
     </a:lvl1pPr>
-    <a:lvl2pPr marL="457200" algn="l" defTabSz="914400" rtl="0" eaLnBrk="1" latinLnBrk="0" hangingPunct="1">
+    <a:lvl2pPr marL="457200" algn="l" defTabSz="457200" rtl="0" eaLnBrk="1" latinLnBrk="0" hangingPunct="1">
       <a:defRPr sz="1800" kern="1200">
         <a:solidFill>
           <a:schemeClr val="tx1"/>
@@ -33,7 +33,7 @@
         <a:cs typeface="+mn-cs"/>
       </a:defRPr>
     </a:lvl2pPr>
-    <a:lvl3pPr marL="914400" algn="l" defTabSz="914400" rtl="0" eaLnBrk="1" latinLnBrk="0" hangingPunct="1">
+    <a:lvl3pPr marL="914400" algn="l" defTabSz="457200" rtl="0" eaLnBrk="1" latinLnBrk="0" hangingPunct="1">
       <a:defRPr sz="1800" kern="1200">
         <a:solidFill>
           <a:schemeClr val="tx1"/>
@@ -43,7 +43,7 @@
         <a:cs typeface="+mn-cs"/>
       </a:defRPr>
     </a:lvl3pPr>
-    <a:lvl4pPr marL="1371600" algn="l" defTabSz="914400" rtl="0" eaLnBrk="1" latinLnBrk="0" hangingPunct="1">
+    <a:lvl4pPr marL="1371600" algn="l" defTabSz="457200" rtl="0" eaLnBrk="1" latinLnBrk="0" hangingPunct="1">
       <a:defRPr sz="1800" kern="1200">
         <a:solidFill>
           <a:schemeClr val="tx1"/>
@@ -53,7 +53,7 @@
         <a:cs typeface="+mn-cs"/>
       </a:defRPr>
     </a:lvl4pPr>
-    <a:lvl5pPr marL="1828800" algn="l" defTabSz="914400" rtl="0" eaLnBrk="1" latinLnBrk="0" hangingPunct="1">
+    <a:lvl5pPr marL="1828800" algn="l" defTabSz="457200" rtl="0" eaLnBrk="1" latinLnBrk="0" hangingPunct="1">
       <a:defRPr sz="1800" kern="1200">
         <a:solidFill>
           <a:schemeClr val="tx1"/>
@@ -63,7 +63,7 @@
         <a:cs typeface="+mn-cs"/>
       </a:defRPr>
     </a:lvl5pPr>
-    <a:lvl6pPr marL="2286000" algn="l" defTabSz="914400" rtl="0" eaLnBrk="1" latinLnBrk="0" hangingPunct="1">
+    <a:lvl6pPr marL="2286000" algn="l" defTabSz="457200" rtl="0" eaLnBrk="1" latinLnBrk="0" hangingPunct="1">
       <a:defRPr sz="1800" kern="1200">
         <a:solidFill>
           <a:schemeClr val="tx1"/>
@@ -73,7 +73,7 @@
         <a:cs typeface="+mn-cs"/>
       </a:defRPr>
     </a:lvl6pPr>
-    <a:lvl7pPr marL="2743200" algn="l" defTabSz="914400" rtl="0" eaLnBrk="1" latinLnBrk="0" hangingPunct="1">
+    <a:lvl7pPr marL="2743200" algn="l" defTabSz="457200" rtl="0" eaLnBrk="1" latinLnBrk="0" hangingPunct="1">
       <a:defRPr sz="1800" kern="1200">
         <a:solidFill>
           <a:schemeClr val="tx1"/>
@@ -83,7 +83,7 @@
         <a:cs typeface="+mn-cs"/>
       </a:defRPr>
     </a:lvl7pPr>
-    <a:lvl8pPr marL="3200400" algn="l" defTabSz="914400" rtl="0" eaLnBrk="1" latinLnBrk="0" hangingPunct="1">
+    <a:lvl8pPr marL="3200400" algn="l" defTabSz="457200" rtl="0" eaLnBrk="1" latinLnBrk="0" hangingPunct="1">
       <a:defRPr sz="1800" kern="1200">
         <a:solidFill>
           <a:schemeClr val="tx1"/>
@@ -93,7 +93,7 @@
         <a:cs typeface="+mn-cs"/>
       </a:defRPr>
     </a:lvl8pPr>
-    <a:lvl9pPr marL="3657600" algn="l" defTabSz="914400" rtl="0" eaLnBrk="1" latinLnBrk="0" hangingPunct="1">
+    <a:lvl9pPr marL="3657600" algn="l" defTabSz="457200" rtl="0" eaLnBrk="1" latinLnBrk="0" hangingPunct="1">
       <a:defRPr sz="1800" kern="1200">
         <a:solidFill>
           <a:schemeClr val="tx1"/>
@@ -104,6 +104,11 @@
       </a:defRPr>
     </a:lvl9pPr>
   </p:defaultTextStyle>
+  <p:extLst>
+    <p:ext uri="{EFAFB233-063F-42B5-8137-9DF3F51BA10A}">
+      <p15:sldGuideLst xmlns:p15="http://schemas.microsoft.com/office/powerpoint/2012/main"/>
+    </p:ext>
+  </p:extLst>
 </p:presentation>
 </file>
 
@@ -136,8 +141,8 @@
         </p:nvSpPr>
         <p:spPr>
           <a:xfrm>
-            <a:off x="1524000" y="1122363"/>
-            <a:ext cx="9144000" cy="2387600"/>
+            <a:off x="685800" y="1122363"/>
+            <a:ext cx="7772400" cy="2387600"/>
           </a:xfrm>
         </p:spPr>
         <p:txBody>
@@ -152,7 +157,7 @@
               <a:rPr lang="en-US" smtClean="0"/>
               <a:t>Click to edit Master title style</a:t>
             </a:r>
-            <a:endParaRPr lang="en-US"/>
+            <a:endParaRPr lang="en-US" dirty="0"/>
           </a:p>
         </p:txBody>
       </p:sp>
@@ -168,8 +173,8 @@
         </p:nvSpPr>
         <p:spPr>
           <a:xfrm>
-            <a:off x="1524000" y="3602038"/>
-            <a:ext cx="9144000" cy="1655762"/>
+            <a:off x="1143000" y="3602038"/>
+            <a:ext cx="6858000" cy="1655762"/>
           </a:xfrm>
         </p:spPr>
         <p:txBody>
@@ -217,7 +222,7 @@
               <a:rPr lang="en-US" smtClean="0"/>
               <a:t>Click to edit Master subtitle style</a:t>
             </a:r>
-            <a:endParaRPr lang="en-US"/>
+            <a:endParaRPr lang="en-US" dirty="0"/>
           </a:p>
         </p:txBody>
       </p:sp>
@@ -289,7 +294,7 @@
     </p:spTree>
     <p:extLst>
       <p:ext uri="{BB962C8B-B14F-4D97-AF65-F5344CB8AC3E}">
-        <p14:creationId xmlns:p14="http://schemas.microsoft.com/office/powerpoint/2010/main" val="1525545460"/>
+        <p14:creationId xmlns:p14="http://schemas.microsoft.com/office/powerpoint/2010/main" val="558665822"/>
       </p:ext>
     </p:extLst>
   </p:cSld>
@@ -335,7 +340,7 @@
               <a:rPr lang="en-US" smtClean="0"/>
               <a:t>Click to edit Master title style</a:t>
             </a:r>
-            <a:endParaRPr lang="en-US"/>
+            <a:endParaRPr lang="en-US" dirty="0"/>
           </a:p>
         </p:txBody>
       </p:sp>
@@ -387,7 +392,7 @@
               <a:rPr lang="en-US" smtClean="0"/>
               <a:t>Fifth level</a:t>
             </a:r>
-            <a:endParaRPr lang="en-US"/>
+            <a:endParaRPr lang="en-US" dirty="0"/>
           </a:p>
         </p:txBody>
       </p:sp>
@@ -459,7 +464,7 @@
     </p:spTree>
     <p:extLst>
       <p:ext uri="{BB962C8B-B14F-4D97-AF65-F5344CB8AC3E}">
-        <p14:creationId xmlns:p14="http://schemas.microsoft.com/office/powerpoint/2010/main" val="3603486159"/>
+        <p14:creationId xmlns:p14="http://schemas.microsoft.com/office/powerpoint/2010/main" val="2367856557"/>
       </p:ext>
     </p:extLst>
   </p:cSld>
@@ -498,8 +503,8 @@
         </p:nvSpPr>
         <p:spPr>
           <a:xfrm>
-            <a:off x="8724900" y="365125"/>
-            <a:ext cx="2628900" cy="5811838"/>
+            <a:off x="6543675" y="365125"/>
+            <a:ext cx="1971675" cy="5811838"/>
           </a:xfrm>
         </p:spPr>
         <p:txBody>
@@ -510,7 +515,7 @@
               <a:rPr lang="en-US" smtClean="0"/>
               <a:t>Click to edit Master title style</a:t>
             </a:r>
-            <a:endParaRPr lang="en-US"/>
+            <a:endParaRPr lang="en-US" dirty="0"/>
           </a:p>
         </p:txBody>
       </p:sp>
@@ -526,8 +531,8 @@
         </p:nvSpPr>
         <p:spPr>
           <a:xfrm>
-            <a:off x="838200" y="365125"/>
-            <a:ext cx="7734300" cy="5811838"/>
+            <a:off x="628650" y="365125"/>
+            <a:ext cx="5800725" cy="5811838"/>
           </a:xfrm>
         </p:spPr>
         <p:txBody>
@@ -567,7 +572,7 @@
               <a:rPr lang="en-US" smtClean="0"/>
               <a:t>Fifth level</a:t>
             </a:r>
-            <a:endParaRPr lang="en-US"/>
+            <a:endParaRPr lang="en-US" dirty="0"/>
           </a:p>
         </p:txBody>
       </p:sp>
@@ -639,7 +644,7 @@
     </p:spTree>
     <p:extLst>
       <p:ext uri="{BB962C8B-B14F-4D97-AF65-F5344CB8AC3E}">
-        <p14:creationId xmlns:p14="http://schemas.microsoft.com/office/powerpoint/2010/main" val="43303004"/>
+        <p14:creationId xmlns:p14="http://schemas.microsoft.com/office/powerpoint/2010/main" val="4200779462"/>
       </p:ext>
     </p:extLst>
   </p:cSld>
@@ -685,7 +690,7 @@
               <a:rPr lang="en-US" smtClean="0"/>
               <a:t>Click to edit Master title style</a:t>
             </a:r>
-            <a:endParaRPr lang="en-US"/>
+            <a:endParaRPr lang="en-US" dirty="0"/>
           </a:p>
         </p:txBody>
       </p:sp>
@@ -737,7 +742,7 @@
               <a:rPr lang="en-US" smtClean="0"/>
               <a:t>Fifth level</a:t>
             </a:r>
-            <a:endParaRPr lang="en-US"/>
+            <a:endParaRPr lang="en-US" dirty="0"/>
           </a:p>
         </p:txBody>
       </p:sp>
@@ -809,7 +814,7 @@
     </p:spTree>
     <p:extLst>
       <p:ext uri="{BB962C8B-B14F-4D97-AF65-F5344CB8AC3E}">
-        <p14:creationId xmlns:p14="http://schemas.microsoft.com/office/powerpoint/2010/main" val="1975743503"/>
+        <p14:creationId xmlns:p14="http://schemas.microsoft.com/office/powerpoint/2010/main" val="1779440918"/>
       </p:ext>
     </p:extLst>
   </p:cSld>
@@ -848,8 +853,8 @@
         </p:nvSpPr>
         <p:spPr>
           <a:xfrm>
-            <a:off x="831850" y="1709738"/>
-            <a:ext cx="10515600" cy="2852737"/>
+            <a:off x="623888" y="1709739"/>
+            <a:ext cx="7886700" cy="2852737"/>
           </a:xfrm>
         </p:spPr>
         <p:txBody>
@@ -864,7 +869,7 @@
               <a:rPr lang="en-US" smtClean="0"/>
               <a:t>Click to edit Master title style</a:t>
             </a:r>
-            <a:endParaRPr lang="en-US"/>
+            <a:endParaRPr lang="en-US" dirty="0"/>
           </a:p>
         </p:txBody>
       </p:sp>
@@ -880,8 +885,8 @@
         </p:nvSpPr>
         <p:spPr>
           <a:xfrm>
-            <a:off x="831850" y="4589463"/>
-            <a:ext cx="10515600" cy="1500187"/>
+            <a:off x="623888" y="4589464"/>
+            <a:ext cx="7886700" cy="1500187"/>
           </a:xfrm>
         </p:spPr>
         <p:txBody>
@@ -891,9 +896,7 @@
               <a:buNone/>
               <a:defRPr sz="2400">
                 <a:solidFill>
-                  <a:schemeClr val="tx1">
-                    <a:tint val="75000"/>
-                  </a:schemeClr>
+                  <a:schemeClr val="tx1"/>
                 </a:solidFill>
               </a:defRPr>
             </a:lvl1pPr>
@@ -1055,7 +1058,7 @@
     </p:spTree>
     <p:extLst>
       <p:ext uri="{BB962C8B-B14F-4D97-AF65-F5344CB8AC3E}">
-        <p14:creationId xmlns:p14="http://schemas.microsoft.com/office/powerpoint/2010/main" val="376812465"/>
+        <p14:creationId xmlns:p14="http://schemas.microsoft.com/office/powerpoint/2010/main" val="3580043098"/>
       </p:ext>
     </p:extLst>
   </p:cSld>
@@ -1101,7 +1104,7 @@
               <a:rPr lang="en-US" smtClean="0"/>
               <a:t>Click to edit Master title style</a:t>
             </a:r>
-            <a:endParaRPr lang="en-US"/>
+            <a:endParaRPr lang="en-US" dirty="0"/>
           </a:p>
         </p:txBody>
       </p:sp>
@@ -1117,8 +1120,8 @@
         </p:nvSpPr>
         <p:spPr>
           <a:xfrm>
-            <a:off x="838200" y="1825625"/>
-            <a:ext cx="5181600" cy="4351338"/>
+            <a:off x="628650" y="1825625"/>
+            <a:ext cx="3886200" cy="4351338"/>
           </a:xfrm>
         </p:spPr>
         <p:txBody>
@@ -1158,7 +1161,7 @@
               <a:rPr lang="en-US" smtClean="0"/>
               <a:t>Fifth level</a:t>
             </a:r>
-            <a:endParaRPr lang="en-US"/>
+            <a:endParaRPr lang="en-US" dirty="0"/>
           </a:p>
         </p:txBody>
       </p:sp>
@@ -1174,8 +1177,8 @@
         </p:nvSpPr>
         <p:spPr>
           <a:xfrm>
-            <a:off x="6172200" y="1825625"/>
-            <a:ext cx="5181600" cy="4351338"/>
+            <a:off x="4629150" y="1825625"/>
+            <a:ext cx="3886200" cy="4351338"/>
           </a:xfrm>
         </p:spPr>
         <p:txBody>
@@ -1215,7 +1218,7 @@
               <a:rPr lang="en-US" smtClean="0"/>
               <a:t>Fifth level</a:t>
             </a:r>
-            <a:endParaRPr lang="en-US"/>
+            <a:endParaRPr lang="en-US" dirty="0"/>
           </a:p>
         </p:txBody>
       </p:sp>
@@ -1287,7 +1290,7 @@
     </p:spTree>
     <p:extLst>
       <p:ext uri="{BB962C8B-B14F-4D97-AF65-F5344CB8AC3E}">
-        <p14:creationId xmlns:p14="http://schemas.microsoft.com/office/powerpoint/2010/main" val="406960342"/>
+        <p14:creationId xmlns:p14="http://schemas.microsoft.com/office/powerpoint/2010/main" val="3262908367"/>
       </p:ext>
     </p:extLst>
   </p:cSld>
@@ -1326,8 +1329,8 @@
         </p:nvSpPr>
         <p:spPr>
           <a:xfrm>
-            <a:off x="839788" y="365125"/>
-            <a:ext cx="10515600" cy="1325563"/>
+            <a:off x="629841" y="365126"/>
+            <a:ext cx="7886700" cy="1325563"/>
           </a:xfrm>
         </p:spPr>
         <p:txBody>
@@ -1338,7 +1341,7 @@
               <a:rPr lang="en-US" smtClean="0"/>
               <a:t>Click to edit Master title style</a:t>
             </a:r>
-            <a:endParaRPr lang="en-US"/>
+            <a:endParaRPr lang="en-US" dirty="0"/>
           </a:p>
         </p:txBody>
       </p:sp>
@@ -1354,8 +1357,8 @@
         </p:nvSpPr>
         <p:spPr>
           <a:xfrm>
-            <a:off x="839788" y="1681163"/>
-            <a:ext cx="5157787" cy="823912"/>
+            <a:off x="629842" y="1681163"/>
+            <a:ext cx="3868340" cy="823912"/>
           </a:xfrm>
         </p:spPr>
         <p:txBody>
@@ -1419,8 +1422,8 @@
         </p:nvSpPr>
         <p:spPr>
           <a:xfrm>
-            <a:off x="839788" y="2505075"/>
-            <a:ext cx="5157787" cy="3684588"/>
+            <a:off x="629842" y="2505075"/>
+            <a:ext cx="3868340" cy="3684588"/>
           </a:xfrm>
         </p:spPr>
         <p:txBody>
@@ -1460,7 +1463,7 @@
               <a:rPr lang="en-US" smtClean="0"/>
               <a:t>Fifth level</a:t>
             </a:r>
-            <a:endParaRPr lang="en-US"/>
+            <a:endParaRPr lang="en-US" dirty="0"/>
           </a:p>
         </p:txBody>
       </p:sp>
@@ -1476,8 +1479,8 @@
         </p:nvSpPr>
         <p:spPr>
           <a:xfrm>
-            <a:off x="6172200" y="1681163"/>
-            <a:ext cx="5183188" cy="823912"/>
+            <a:off x="4629150" y="1681163"/>
+            <a:ext cx="3887391" cy="823912"/>
           </a:xfrm>
         </p:spPr>
         <p:txBody>
@@ -1541,8 +1544,8 @@
         </p:nvSpPr>
         <p:spPr>
           <a:xfrm>
-            <a:off x="6172200" y="2505075"/>
-            <a:ext cx="5183188" cy="3684588"/>
+            <a:off x="4629150" y="2505075"/>
+            <a:ext cx="3887391" cy="3684588"/>
           </a:xfrm>
         </p:spPr>
         <p:txBody>
@@ -1582,7 +1585,7 @@
               <a:rPr lang="en-US" smtClean="0"/>
               <a:t>Fifth level</a:t>
             </a:r>
-            <a:endParaRPr lang="en-US"/>
+            <a:endParaRPr lang="en-US" dirty="0"/>
           </a:p>
         </p:txBody>
       </p:sp>
@@ -1654,7 +1657,7 @@
     </p:spTree>
     <p:extLst>
       <p:ext uri="{BB962C8B-B14F-4D97-AF65-F5344CB8AC3E}">
-        <p14:creationId xmlns:p14="http://schemas.microsoft.com/office/powerpoint/2010/main" val="3808112024"/>
+        <p14:creationId xmlns:p14="http://schemas.microsoft.com/office/powerpoint/2010/main" val="3026628434"/>
       </p:ext>
     </p:extLst>
   </p:cSld>
@@ -1700,7 +1703,7 @@
               <a:rPr lang="en-US" smtClean="0"/>
               <a:t>Click to edit Master title style</a:t>
             </a:r>
-            <a:endParaRPr lang="en-US"/>
+            <a:endParaRPr lang="en-US" dirty="0"/>
           </a:p>
         </p:txBody>
       </p:sp>
@@ -1772,7 +1775,7 @@
     </p:spTree>
     <p:extLst>
       <p:ext uri="{BB962C8B-B14F-4D97-AF65-F5344CB8AC3E}">
-        <p14:creationId xmlns:p14="http://schemas.microsoft.com/office/powerpoint/2010/main" val="766323625"/>
+        <p14:creationId xmlns:p14="http://schemas.microsoft.com/office/powerpoint/2010/main" val="2521648882"/>
       </p:ext>
     </p:extLst>
   </p:cSld>
@@ -1867,7 +1870,7 @@
     </p:spTree>
     <p:extLst>
       <p:ext uri="{BB962C8B-B14F-4D97-AF65-F5344CB8AC3E}">
-        <p14:creationId xmlns:p14="http://schemas.microsoft.com/office/powerpoint/2010/main" val="681746038"/>
+        <p14:creationId xmlns:p14="http://schemas.microsoft.com/office/powerpoint/2010/main" val="1746209850"/>
       </p:ext>
     </p:extLst>
   </p:cSld>
@@ -1906,8 +1909,8 @@
         </p:nvSpPr>
         <p:spPr>
           <a:xfrm>
-            <a:off x="839788" y="457200"/>
-            <a:ext cx="3932237" cy="1600200"/>
+            <a:off x="629841" y="457200"/>
+            <a:ext cx="2949178" cy="1600200"/>
           </a:xfrm>
         </p:spPr>
         <p:txBody>
@@ -1922,7 +1925,7 @@
               <a:rPr lang="en-US" smtClean="0"/>
               <a:t>Click to edit Master title style</a:t>
             </a:r>
-            <a:endParaRPr lang="en-US"/>
+            <a:endParaRPr lang="en-US" dirty="0"/>
           </a:p>
         </p:txBody>
       </p:sp>
@@ -1938,8 +1941,8 @@
         </p:nvSpPr>
         <p:spPr>
           <a:xfrm>
-            <a:off x="5183188" y="987425"/>
-            <a:ext cx="6172200" cy="4873625"/>
+            <a:off x="3887391" y="987426"/>
+            <a:ext cx="4629150" cy="4873625"/>
           </a:xfrm>
         </p:spPr>
         <p:txBody>
@@ -2007,7 +2010,7 @@
               <a:rPr lang="en-US" smtClean="0"/>
               <a:t>Fifth level</a:t>
             </a:r>
-            <a:endParaRPr lang="en-US"/>
+            <a:endParaRPr lang="en-US" dirty="0"/>
           </a:p>
         </p:txBody>
       </p:sp>
@@ -2023,8 +2026,8 @@
         </p:nvSpPr>
         <p:spPr>
           <a:xfrm>
-            <a:off x="839788" y="2057400"/>
-            <a:ext cx="3932237" cy="3811588"/>
+            <a:off x="629841" y="2057400"/>
+            <a:ext cx="2949178" cy="3811588"/>
           </a:xfrm>
         </p:spPr>
         <p:txBody>
@@ -2144,7 +2147,7 @@
     </p:spTree>
     <p:extLst>
       <p:ext uri="{BB962C8B-B14F-4D97-AF65-F5344CB8AC3E}">
-        <p14:creationId xmlns:p14="http://schemas.microsoft.com/office/powerpoint/2010/main" val="4268082652"/>
+        <p14:creationId xmlns:p14="http://schemas.microsoft.com/office/powerpoint/2010/main" val="2200168900"/>
       </p:ext>
     </p:extLst>
   </p:cSld>
@@ -2183,8 +2186,8 @@
         </p:nvSpPr>
         <p:spPr>
           <a:xfrm>
-            <a:off x="839788" y="457200"/>
-            <a:ext cx="3932237" cy="1600200"/>
+            <a:off x="629841" y="457200"/>
+            <a:ext cx="2949178" cy="1600200"/>
           </a:xfrm>
         </p:spPr>
         <p:txBody>
@@ -2199,7 +2202,7 @@
               <a:rPr lang="en-US" smtClean="0"/>
               <a:t>Click to edit Master title style</a:t>
             </a:r>
-            <a:endParaRPr lang="en-US"/>
+            <a:endParaRPr lang="en-US" dirty="0"/>
           </a:p>
         </p:txBody>
       </p:sp>
@@ -2207,7 +2210,7 @@
         <p:nvSpPr>
           <p:cNvPr id="3" name="Picture Placeholder 2"/>
           <p:cNvSpPr>
-            <a:spLocks noGrp="1"/>
+            <a:spLocks noGrp="1" noChangeAspect="1"/>
           </p:cNvSpPr>
           <p:nvPr>
             <p:ph type="pic" idx="1"/>
@@ -2215,12 +2218,12 @@
         </p:nvSpPr>
         <p:spPr>
           <a:xfrm>
-            <a:off x="5183188" y="987425"/>
-            <a:ext cx="6172200" cy="4873625"/>
+            <a:off x="3887391" y="987426"/>
+            <a:ext cx="4629150" cy="4873625"/>
           </a:xfrm>
         </p:spPr>
         <p:txBody>
-          <a:bodyPr/>
+          <a:bodyPr anchor="t"/>
           <a:lstStyle>
             <a:lvl1pPr marL="0" indent="0">
               <a:buNone/>
@@ -2260,7 +2263,11 @@
             </a:lvl9pPr>
           </a:lstStyle>
           <a:p>
-            <a:endParaRPr lang="en-US"/>
+            <a:r>
+              <a:rPr lang="en-US" smtClean="0"/>
+              <a:t>Click icon to add picture</a:t>
+            </a:r>
+            <a:endParaRPr lang="en-US" dirty="0"/>
           </a:p>
         </p:txBody>
       </p:sp>
@@ -2276,8 +2283,8 @@
         </p:nvSpPr>
         <p:spPr>
           <a:xfrm>
-            <a:off x="839788" y="2057400"/>
-            <a:ext cx="3932237" cy="3811588"/>
+            <a:off x="629841" y="2057400"/>
+            <a:ext cx="2949178" cy="3811588"/>
           </a:xfrm>
         </p:spPr>
         <p:txBody>
@@ -2397,7 +2404,7 @@
     </p:spTree>
     <p:extLst>
       <p:ext uri="{BB962C8B-B14F-4D97-AF65-F5344CB8AC3E}">
-        <p14:creationId xmlns:p14="http://schemas.microsoft.com/office/powerpoint/2010/main" val="1611134177"/>
+        <p14:creationId xmlns:p14="http://schemas.microsoft.com/office/powerpoint/2010/main" val="2360101107"/>
       </p:ext>
     </p:extLst>
   </p:cSld>
@@ -2441,8 +2448,8 @@
         </p:nvSpPr>
         <p:spPr>
           <a:xfrm>
-            <a:off x="838200" y="365125"/>
-            <a:ext cx="10515600" cy="1325563"/>
+            <a:off x="628650" y="365126"/>
+            <a:ext cx="7886700" cy="1325563"/>
           </a:xfrm>
           <a:prstGeom prst="rect">
             <a:avLst/>
@@ -2458,7 +2465,7 @@
               <a:rPr lang="en-US" smtClean="0"/>
               <a:t>Click to edit Master title style</a:t>
             </a:r>
-            <a:endParaRPr lang="en-US"/>
+            <a:endParaRPr lang="en-US" dirty="0"/>
           </a:p>
         </p:txBody>
       </p:sp>
@@ -2474,8 +2481,8 @@
         </p:nvSpPr>
         <p:spPr>
           <a:xfrm>
-            <a:off x="838200" y="1825625"/>
-            <a:ext cx="10515600" cy="4351338"/>
+            <a:off x="628650" y="1825625"/>
+            <a:ext cx="7886700" cy="4351338"/>
           </a:xfrm>
           <a:prstGeom prst="rect">
             <a:avLst/>
@@ -2520,7 +2527,7 @@
               <a:rPr lang="en-US" smtClean="0"/>
               <a:t>Fifth level</a:t>
             </a:r>
-            <a:endParaRPr lang="en-US"/>
+            <a:endParaRPr lang="en-US" dirty="0"/>
           </a:p>
         </p:txBody>
       </p:sp>
@@ -2536,8 +2543,8 @@
         </p:nvSpPr>
         <p:spPr>
           <a:xfrm>
-            <a:off x="838200" y="6356350"/>
-            <a:ext cx="2743200" cy="365125"/>
+            <a:off x="628650" y="6356351"/>
+            <a:ext cx="2057400" cy="365125"/>
           </a:xfrm>
           <a:prstGeom prst="rect">
             <a:avLst/>
@@ -2577,8 +2584,8 @@
         </p:nvSpPr>
         <p:spPr>
           <a:xfrm>
-            <a:off x="4038600" y="6356350"/>
-            <a:ext cx="4114800" cy="365125"/>
+            <a:off x="3028950" y="6356351"/>
+            <a:ext cx="3086100" cy="365125"/>
           </a:xfrm>
           <a:prstGeom prst="rect">
             <a:avLst/>
@@ -2614,8 +2621,8 @@
         </p:nvSpPr>
         <p:spPr>
           <a:xfrm>
-            <a:off x="8610600" y="6356350"/>
-            <a:ext cx="2743200" cy="365125"/>
+            <a:off x="6457950" y="6356351"/>
+            <a:ext cx="2057400" cy="365125"/>
           </a:xfrm>
           <a:prstGeom prst="rect">
             <a:avLst/>
@@ -2646,23 +2653,23 @@
     </p:spTree>
     <p:extLst>
       <p:ext uri="{BB962C8B-B14F-4D97-AF65-F5344CB8AC3E}">
-        <p14:creationId xmlns:p14="http://schemas.microsoft.com/office/powerpoint/2010/main" val="3183768947"/>
+        <p14:creationId xmlns:p14="http://schemas.microsoft.com/office/powerpoint/2010/main" val="2697925512"/>
       </p:ext>
     </p:extLst>
   </p:cSld>
   <p:clrMap bg1="lt1" tx1="dk1" bg2="lt2" tx2="dk2" accent1="accent1" accent2="accent2" accent3="accent3" accent4="accent4" accent5="accent5" accent6="accent6" hlink="hlink" folHlink="folHlink"/>
   <p:sldLayoutIdLst>
-    <p:sldLayoutId id="2147483649" r:id="rId1"/>
-    <p:sldLayoutId id="2147483650" r:id="rId2"/>
-    <p:sldLayoutId id="2147483651" r:id="rId3"/>
-    <p:sldLayoutId id="2147483652" r:id="rId4"/>
-    <p:sldLayoutId id="2147483653" r:id="rId5"/>
-    <p:sldLayoutId id="2147483654" r:id="rId6"/>
-    <p:sldLayoutId id="2147483655" r:id="rId7"/>
-    <p:sldLayoutId id="2147483656" r:id="rId8"/>
-    <p:sldLayoutId id="2147483657" r:id="rId9"/>
-    <p:sldLayoutId id="2147483658" r:id="rId10"/>
-    <p:sldLayoutId id="2147483659" r:id="rId11"/>
+    <p:sldLayoutId id="2147483661" r:id="rId1"/>
+    <p:sldLayoutId id="2147483662" r:id="rId2"/>
+    <p:sldLayoutId id="2147483663" r:id="rId3"/>
+    <p:sldLayoutId id="2147483664" r:id="rId4"/>
+    <p:sldLayoutId id="2147483665" r:id="rId5"/>
+    <p:sldLayoutId id="2147483666" r:id="rId6"/>
+    <p:sldLayoutId id="2147483667" r:id="rId7"/>
+    <p:sldLayoutId id="2147483668" r:id="rId8"/>
+    <p:sldLayoutId id="2147483669" r:id="rId9"/>
+    <p:sldLayoutId id="2147483670" r:id="rId10"/>
+    <p:sldLayoutId id="2147483671" r:id="rId11"/>
   </p:sldLayoutIdLst>
   <p:txStyles>
     <p:titleStyle>
@@ -2964,70 +2971,129 @@
           <a:chExt cx="0" cy="0"/>
         </a:xfrm>
       </p:grpSpPr>
-      <p:sp>
-        <p:nvSpPr>
-          <p:cNvPr id="2" name="Title 1"/>
-          <p:cNvSpPr>
-            <a:spLocks noGrp="1"/>
-          </p:cNvSpPr>
-          <p:nvPr>
-            <p:ph type="ctrTitle"/>
-          </p:nvPr>
-        </p:nvSpPr>
-        <p:spPr/>
-        <p:txBody>
-          <a:bodyPr/>
-          <a:lstStyle/>
-          <a:p>
-            <a:endParaRPr lang="en-US"/>
-          </a:p>
-        </p:txBody>
-      </p:sp>
-      <p:sp>
-        <p:nvSpPr>
-          <p:cNvPr id="3" name="Subtitle 2"/>
-          <p:cNvSpPr>
-            <a:spLocks noGrp="1"/>
-          </p:cNvSpPr>
-          <p:nvPr>
-            <p:ph type="subTitle" idx="1"/>
-          </p:nvPr>
-        </p:nvSpPr>
-        <p:spPr/>
-        <p:txBody>
-          <a:bodyPr/>
-          <a:lstStyle/>
-          <a:p>
-            <a:endParaRPr lang="en-US"/>
-          </a:p>
-        </p:txBody>
-      </p:sp>
-      <p:sp>
-        <p:nvSpPr>
-          <p:cNvPr id="4" name="Rectangle 3"/>
-          <p:cNvSpPr/>
+      <p:pic>
+        <p:nvPicPr>
+          <p:cNvPr id="6" name="Picture 5" descr="[NAME=PIPEDOWN1];&#10;[MEMORY];&#10;[COMPRESIONLEVEL=2];&#10;[MOVEABLE];&#10;[WASDMovement];&#10;[VISIBLE];&#10;"/>
+          <p:cNvPicPr>
+            <a:picLocks noChangeAspect="1"/>
+          </p:cNvPicPr>
           <p:nvPr/>
-        </p:nvSpPr>
+        </p:nvPicPr>
+        <p:blipFill>
+          <a:blip r:embed="rId2">
+            <a:extLst>
+              <a:ext uri="{28A0092B-C50C-407E-A947-70E740481C1C}">
+                <a14:useLocalDpi xmlns:a14="http://schemas.microsoft.com/office/drawing/2010/main" val="0"/>
+              </a:ext>
+            </a:extLst>
+          </a:blip>
+          <a:stretch>
+            <a:fillRect/>
+          </a:stretch>
+        </p:blipFill>
         <p:spPr>
           <a:xfrm>
-            <a:off x="1193074" y="296091"/>
-            <a:ext cx="4136572" cy="2908663"/>
+            <a:off x="1843314" y="1182912"/>
+            <a:ext cx="957943" cy="5747658"/>
           </a:xfrm>
           <a:prstGeom prst="rect">
             <a:avLst/>
           </a:prstGeom>
         </p:spPr>
+      </p:pic>
+      <p:pic>
+        <p:nvPicPr>
+          <p:cNvPr id="7" name="Picture 6" descr="[NAME=PIPEDOWN2];&#10;[MEMORY];&#10;[COMPRESIONLEVEL=2];&#10;[MOVEABLE];&#10;[VISIBLE];&#10;[ARROWSMovement];&#10;"/>
+          <p:cNvPicPr>
+            <a:picLocks noChangeAspect="1"/>
+          </p:cNvPicPr>
+          <p:nvPr/>
+        </p:nvPicPr>
+        <p:blipFill>
+          <a:blip r:embed="rId2">
+            <a:extLst>
+              <a:ext uri="{28A0092B-C50C-407E-A947-70E740481C1C}">
+                <a14:useLocalDpi xmlns:a14="http://schemas.microsoft.com/office/drawing/2010/main" val="0"/>
+              </a:ext>
+            </a:extLst>
+          </a:blip>
+          <a:stretch>
+            <a:fillRect/>
+          </a:stretch>
+        </p:blipFill>
+        <p:spPr>
+          <a:xfrm>
+            <a:off x="3958771" y="1182912"/>
+            <a:ext cx="957943" cy="5747658"/>
+          </a:xfrm>
+          <a:prstGeom prst="rect">
+            <a:avLst/>
+          </a:prstGeom>
+        </p:spPr>
+      </p:pic>
+      <p:pic>
+        <p:nvPicPr>
+          <p:cNvPr id="8" name="Picture 7" descr="[NAME=PIPEDOWN3];&#10;[MEMORY];&#10;[COMPRESIONLEVEL=2];&#10;[MOVEABLE];&#10;[VISIBLE];&#10;[WASDMovement];&#10;"/>
+          <p:cNvPicPr>
+            <a:picLocks noChangeAspect="1"/>
+          </p:cNvPicPr>
+          <p:nvPr/>
+        </p:nvPicPr>
+        <p:blipFill>
+          <a:blip r:embed="rId2">
+            <a:extLst>
+              <a:ext uri="{28A0092B-C50C-407E-A947-70E740481C1C}">
+                <a14:useLocalDpi xmlns:a14="http://schemas.microsoft.com/office/drawing/2010/main" val="0"/>
+              </a:ext>
+            </a:extLst>
+          </a:blip>
+          <a:stretch>
+            <a:fillRect/>
+          </a:stretch>
+        </p:blipFill>
+        <p:spPr>
+          <a:xfrm>
+            <a:off x="6237060" y="1182912"/>
+            <a:ext cx="957943" cy="5747658"/>
+          </a:xfrm>
+          <a:prstGeom prst="rect">
+            <a:avLst/>
+          </a:prstGeom>
+        </p:spPr>
+      </p:pic>
+      <p:sp>
+        <p:nvSpPr>
+          <p:cNvPr id="9" name="Rectangle 8"/>
+          <p:cNvSpPr/>
+          <p:nvPr/>
+        </p:nvSpPr>
+        <p:spPr>
+          <a:xfrm>
+            <a:off x="9525" y="2721"/>
+            <a:ext cx="1694542" cy="6858000"/>
+          </a:xfrm>
+          <a:prstGeom prst="rect">
+            <a:avLst/>
+          </a:prstGeom>
+          <a:ln w="57150">
+            <a:solidFill>
+              <a:schemeClr val="tx2">
+                <a:lumMod val="50000"/>
+              </a:schemeClr>
+            </a:solidFill>
+          </a:ln>
+        </p:spPr>
         <p:style>
           <a:lnRef idx="2">
-            <a:schemeClr val="accent1">
+            <a:schemeClr val="accent3">
               <a:shade val="50000"/>
             </a:schemeClr>
           </a:lnRef>
           <a:fillRef idx="1">
-            <a:schemeClr val="accent1"/>
+            <a:schemeClr val="accent3"/>
           </a:fillRef>
           <a:effectRef idx="0">
-            <a:schemeClr val="accent1"/>
+            <a:schemeClr val="accent3"/>
           </a:effectRef>
           <a:fontRef idx="minor">
             <a:schemeClr val="lt1"/>
@@ -3038,55 +3104,51 @@
           <a:lstStyle/>
           <a:p>
             <a:pPr algn="ctr"/>
-            <a:endParaRPr lang="en-US"/>
-          </a:p>
-        </p:txBody>
-      </p:sp>
-      <p:sp>
-        <p:nvSpPr>
-          <p:cNvPr id="5" name="Rectangle 4"/>
-          <p:cNvSpPr/>
+            <a:r>
+              <a:rPr lang="en-US" dirty="0" smtClean="0"/>
+              <a:t>[NAME=LEFTBOX];</a:t>
+            </a:r>
+          </a:p>
+          <a:p>
+            <a:pPr algn="ctr"/>
+            <a:r>
+              <a:rPr lang="en-US" dirty="0" smtClean="0"/>
+              <a:t>[BORDER];</a:t>
+            </a:r>
+            <a:endParaRPr lang="en-US" dirty="0"/>
+          </a:p>
+        </p:txBody>
+      </p:sp>
+      <p:pic>
+        <p:nvPicPr>
+          <p:cNvPr id="10" name="Picture 9" descr="[NAME=point];&#10;[MOVEABLE];&#10;[MEMORY];"/>
+          <p:cNvPicPr>
+            <a:picLocks noChangeAspect="1"/>
+          </p:cNvPicPr>
           <p:nvPr/>
-        </p:nvSpPr>
+        </p:nvPicPr>
+        <p:blipFill>
+          <a:blip r:embed="rId3">
+            <a:extLst>
+              <a:ext uri="{28A0092B-C50C-407E-A947-70E740481C1C}">
+                <a14:useLocalDpi xmlns:a14="http://schemas.microsoft.com/office/drawing/2010/main" val="0"/>
+              </a:ext>
+            </a:extLst>
+          </a:blip>
+          <a:stretch>
+            <a:fillRect/>
+          </a:stretch>
+        </p:blipFill>
         <p:spPr>
           <a:xfrm>
-            <a:off x="4262845" y="2576694"/>
-            <a:ext cx="4136572" cy="2908663"/>
+            <a:off x="7991473" y="2967037"/>
+            <a:ext cx="466725" cy="695325"/>
           </a:xfrm>
           <a:prstGeom prst="rect">
             <a:avLst/>
           </a:prstGeom>
-          <a:solidFill>
-            <a:schemeClr val="accent3">
-              <a:lumMod val="75000"/>
-            </a:schemeClr>
-          </a:solidFill>
         </p:spPr>
-        <p:style>
-          <a:lnRef idx="2">
-            <a:schemeClr val="accent1">
-              <a:shade val="50000"/>
-            </a:schemeClr>
-          </a:lnRef>
-          <a:fillRef idx="1">
-            <a:schemeClr val="accent1"/>
-          </a:fillRef>
-          <a:effectRef idx="0">
-            <a:schemeClr val="accent1"/>
-          </a:effectRef>
-          <a:fontRef idx="minor">
-            <a:schemeClr val="lt1"/>
-          </a:fontRef>
-        </p:style>
-        <p:txBody>
-          <a:bodyPr rtlCol="0" anchor="ctr"/>
-          <a:lstStyle/>
-          <a:p>
-            <a:pPr algn="ctr"/>
-            <a:endParaRPr lang="en-US"/>
-          </a:p>
-        </p:txBody>
-      </p:sp>
+      </p:pic>
     </p:spTree>
     <p:extLst>
       <p:ext uri="{BB962C8B-B14F-4D97-AF65-F5344CB8AC3E}">
@@ -3103,7 +3165,7 @@
 <file path=ppt/theme/theme1.xml><?xml version="1.0" encoding="utf-8"?>
 <a:theme xmlns:a="http://schemas.openxmlformats.org/drawingml/2006/main" name="Office Theme">
   <a:themeElements>
-    <a:clrScheme name="Office">
+    <a:clrScheme name="Office Theme">
       <a:dk1>
         <a:sysClr val="windowText" lastClr="000000"/>
       </a:dk1>
@@ -3141,7 +3203,7 @@
         <a:srgbClr val="954F72"/>
       </a:folHlink>
     </a:clrScheme>
-    <a:fontScheme name="Office">
+    <a:fontScheme name="Office Theme">
       <a:majorFont>
         <a:latin typeface="Calibri Light" panose="020F0302020204030204"/>
         <a:ea typeface=""/>
@@ -3213,7 +3275,7 @@
         <a:font script="Geor" typeface="Sylfaen"/>
       </a:minorFont>
     </a:fontScheme>
-    <a:fmtScheme name="Office">
+    <a:fmtScheme name="Office Theme">
       <a:fillStyleLst>
         <a:solidFill>
           <a:schemeClr val="phClr"/>

--- a/RealGame/PPVerilogEngine/main.pptx
+++ b/RealGame/PPVerilogEngine/main.pptx
@@ -243,7 +243,7 @@
           <a:p>
             <a:fld id="{0618B01E-3539-42E0-9F53-483F15259ADE}" type="datetimeFigureOut">
               <a:rPr lang="en-US" smtClean="0"/>
-              <a:t>12/3/2018</a:t>
+              <a:t>12/4/2018</a:t>
             </a:fld>
             <a:endParaRPr lang="en-US"/>
           </a:p>
@@ -413,7 +413,7 @@
           <a:p>
             <a:fld id="{0618B01E-3539-42E0-9F53-483F15259ADE}" type="datetimeFigureOut">
               <a:rPr lang="en-US" smtClean="0"/>
-              <a:t>12/3/2018</a:t>
+              <a:t>12/4/2018</a:t>
             </a:fld>
             <a:endParaRPr lang="en-US"/>
           </a:p>
@@ -593,7 +593,7 @@
           <a:p>
             <a:fld id="{0618B01E-3539-42E0-9F53-483F15259ADE}" type="datetimeFigureOut">
               <a:rPr lang="en-US" smtClean="0"/>
-              <a:t>12/3/2018</a:t>
+              <a:t>12/4/2018</a:t>
             </a:fld>
             <a:endParaRPr lang="en-US"/>
           </a:p>
@@ -763,7 +763,7 @@
           <a:p>
             <a:fld id="{0618B01E-3539-42E0-9F53-483F15259ADE}" type="datetimeFigureOut">
               <a:rPr lang="en-US" smtClean="0"/>
-              <a:t>12/3/2018</a:t>
+              <a:t>12/4/2018</a:t>
             </a:fld>
             <a:endParaRPr lang="en-US"/>
           </a:p>
@@ -1007,7 +1007,7 @@
           <a:p>
             <a:fld id="{0618B01E-3539-42E0-9F53-483F15259ADE}" type="datetimeFigureOut">
               <a:rPr lang="en-US" smtClean="0"/>
-              <a:t>12/3/2018</a:t>
+              <a:t>12/4/2018</a:t>
             </a:fld>
             <a:endParaRPr lang="en-US"/>
           </a:p>
@@ -1239,7 +1239,7 @@
           <a:p>
             <a:fld id="{0618B01E-3539-42E0-9F53-483F15259ADE}" type="datetimeFigureOut">
               <a:rPr lang="en-US" smtClean="0"/>
-              <a:t>12/3/2018</a:t>
+              <a:t>12/4/2018</a:t>
             </a:fld>
             <a:endParaRPr lang="en-US"/>
           </a:p>
@@ -1606,7 +1606,7 @@
           <a:p>
             <a:fld id="{0618B01E-3539-42E0-9F53-483F15259ADE}" type="datetimeFigureOut">
               <a:rPr lang="en-US" smtClean="0"/>
-              <a:t>12/3/2018</a:t>
+              <a:t>12/4/2018</a:t>
             </a:fld>
             <a:endParaRPr lang="en-US"/>
           </a:p>
@@ -1724,7 +1724,7 @@
           <a:p>
             <a:fld id="{0618B01E-3539-42E0-9F53-483F15259ADE}" type="datetimeFigureOut">
               <a:rPr lang="en-US" smtClean="0"/>
-              <a:t>12/3/2018</a:t>
+              <a:t>12/4/2018</a:t>
             </a:fld>
             <a:endParaRPr lang="en-US"/>
           </a:p>
@@ -1819,7 +1819,7 @@
           <a:p>
             <a:fld id="{0618B01E-3539-42E0-9F53-483F15259ADE}" type="datetimeFigureOut">
               <a:rPr lang="en-US" smtClean="0"/>
-              <a:t>12/3/2018</a:t>
+              <a:t>12/4/2018</a:t>
             </a:fld>
             <a:endParaRPr lang="en-US"/>
           </a:p>
@@ -2096,7 +2096,7 @@
           <a:p>
             <a:fld id="{0618B01E-3539-42E0-9F53-483F15259ADE}" type="datetimeFigureOut">
               <a:rPr lang="en-US" smtClean="0"/>
-              <a:t>12/3/2018</a:t>
+              <a:t>12/4/2018</a:t>
             </a:fld>
             <a:endParaRPr lang="en-US"/>
           </a:p>
@@ -2353,7 +2353,7 @@
           <a:p>
             <a:fld id="{0618B01E-3539-42E0-9F53-483F15259ADE}" type="datetimeFigureOut">
               <a:rPr lang="en-US" smtClean="0"/>
-              <a:t>12/3/2018</a:t>
+              <a:t>12/4/2018</a:t>
             </a:fld>
             <a:endParaRPr lang="en-US"/>
           </a:p>
@@ -2566,7 +2566,7 @@
           <a:p>
             <a:fld id="{0618B01E-3539-42E0-9F53-483F15259ADE}" type="datetimeFigureOut">
               <a:rPr lang="en-US" smtClean="0"/>
-              <a:t>12/3/2018</a:t>
+              <a:t>12/4/2018</a:t>
             </a:fld>
             <a:endParaRPr lang="en-US"/>
           </a:p>
@@ -2973,7 +2973,7 @@
       </p:grpSpPr>
       <p:pic>
         <p:nvPicPr>
-          <p:cNvPr id="6" name="Picture 5" descr="[NAME=PIPEDOWN1];&#10;[MEMORY];&#10;[COMPRESIONLEVEL=2];&#10;[MOVEABLE];&#10;[WASDMovement];&#10;[VISIBLE];&#10;"/>
+          <p:cNvPr id="5" name="Picture 4" descr="[NAME=BACK2];&#10;[COMPRESIONLEVEL=5];&#10;[MOVEABLE];&#10;[MEMORY];"/>
           <p:cNvPicPr>
             <a:picLocks noChangeAspect="1"/>
           </p:cNvPicPr>
@@ -2993,8 +2993,8 @@
         </p:blipFill>
         <p:spPr>
           <a:xfrm>
-            <a:off x="1843314" y="1182912"/>
-            <a:ext cx="957943" cy="5747658"/>
+            <a:off x="5524864" y="-1"/>
+            <a:ext cx="9147628" cy="7048500"/>
           </a:xfrm>
           <a:prstGeom prst="rect">
             <a:avLst/>
@@ -3003,7 +3003,7 @@
       </p:pic>
       <p:pic>
         <p:nvPicPr>
-          <p:cNvPr id="7" name="Picture 6" descr="[NAME=PIPEDOWN2];&#10;[MEMORY];&#10;[COMPRESIONLEVEL=2];&#10;[MOVEABLE];&#10;[VISIBLE];&#10;[ARROWSMovement];&#10;"/>
+          <p:cNvPr id="3" name="Picture 2" descr="[NAME=BACK1];&#10;[COMPRESIONLEVEL=5];&#10;[MOVEABLE];&#10;[MEMORY];"/>
           <p:cNvPicPr>
             <a:picLocks noChangeAspect="1"/>
           </p:cNvPicPr>
@@ -3023,38 +3023,8 @@
         </p:blipFill>
         <p:spPr>
           <a:xfrm>
-            <a:off x="3958771" y="1182912"/>
-            <a:ext cx="957943" cy="5747658"/>
-          </a:xfrm>
-          <a:prstGeom prst="rect">
-            <a:avLst/>
-          </a:prstGeom>
-        </p:spPr>
-      </p:pic>
-      <p:pic>
-        <p:nvPicPr>
-          <p:cNvPr id="8" name="Picture 7" descr="[NAME=PIPEDOWN3];&#10;[MEMORY];&#10;[COMPRESIONLEVEL=2];&#10;[MOVEABLE];&#10;[VISIBLE];&#10;[WASDMovement];&#10;"/>
-          <p:cNvPicPr>
-            <a:picLocks noChangeAspect="1"/>
-          </p:cNvPicPr>
-          <p:nvPr/>
-        </p:nvPicPr>
-        <p:blipFill>
-          <a:blip r:embed="rId2">
-            <a:extLst>
-              <a:ext uri="{28A0092B-C50C-407E-A947-70E740481C1C}">
-                <a14:useLocalDpi xmlns:a14="http://schemas.microsoft.com/office/drawing/2010/main" val="0"/>
-              </a:ext>
-            </a:extLst>
-          </a:blip>
-          <a:stretch>
-            <a:fillRect/>
-          </a:stretch>
-        </p:blipFill>
-        <p:spPr>
-          <a:xfrm>
-            <a:off x="6237060" y="1182912"/>
-            <a:ext cx="957943" cy="5747658"/>
+            <a:off x="-3588875" y="0"/>
+            <a:ext cx="9155997" cy="7048499"/>
           </a:xfrm>
           <a:prstGeom prst="rect">
             <a:avLst/>
@@ -3075,6 +3045,11 @@
           <a:prstGeom prst="rect">
             <a:avLst/>
           </a:prstGeom>
+          <a:solidFill>
+            <a:schemeClr val="accent5">
+              <a:lumMod val="75000"/>
+            </a:schemeClr>
+          </a:solidFill>
           <a:ln w="57150">
             <a:solidFill>
               <a:schemeClr val="tx2">
@@ -3121,7 +3096,7 @@
       </p:sp>
       <p:pic>
         <p:nvPicPr>
-          <p:cNvPr id="10" name="Picture 9" descr="[NAME=point];&#10;[MOVEABLE];&#10;[MEMORY];"/>
+          <p:cNvPr id="6" name="Picture 5" descr="[NAME=PIPEDOWN1];&#10;[MEMORY];&#10;[COMPRESIONLEVEL=2];&#10;[MOVEABLE];&#10;[VISIBLE];&#10;"/>
           <p:cNvPicPr>
             <a:picLocks noChangeAspect="1"/>
           </p:cNvPicPr>
@@ -3141,8 +3116,278 @@
         </p:blipFill>
         <p:spPr>
           <a:xfrm>
-            <a:off x="7991473" y="2967037"/>
+            <a:off x="9240690" y="5496172"/>
+            <a:ext cx="957943" cy="5747658"/>
+          </a:xfrm>
+          <a:prstGeom prst="rect">
+            <a:avLst/>
+          </a:prstGeom>
+        </p:spPr>
+      </p:pic>
+      <p:pic>
+        <p:nvPicPr>
+          <p:cNvPr id="7" name="Picture 6" descr="[NAME=PIPEDOWN2];&#10;[MEMORY];&#10;[COMPRESIONLEVEL=2];&#10;[MOVEABLE];&#10;[VISIBLE];&#10;"/>
+          <p:cNvPicPr>
+            <a:picLocks noChangeAspect="1"/>
+          </p:cNvPicPr>
+          <p:nvPr/>
+        </p:nvPicPr>
+        <p:blipFill>
+          <a:blip r:embed="rId3">
+            <a:extLst>
+              <a:ext uri="{28A0092B-C50C-407E-A947-70E740481C1C}">
+                <a14:useLocalDpi xmlns:a14="http://schemas.microsoft.com/office/drawing/2010/main" val="0"/>
+              </a:ext>
+            </a:extLst>
+          </a:blip>
+          <a:stretch>
+            <a:fillRect/>
+          </a:stretch>
+        </p:blipFill>
+        <p:spPr>
+          <a:xfrm>
+            <a:off x="9622971" y="4741532"/>
+            <a:ext cx="957943" cy="5747658"/>
+          </a:xfrm>
+          <a:prstGeom prst="rect">
+            <a:avLst/>
+          </a:prstGeom>
+        </p:spPr>
+      </p:pic>
+      <p:pic>
+        <p:nvPicPr>
+          <p:cNvPr id="8" name="Picture 7" descr="[NAME=PIPEDOWN3];&#10;[MEMORY];&#10;[COMPRESIONLEVEL=2];&#10;[MOVEABLE];&#10;[VISIBLE];&#10;"/>
+          <p:cNvPicPr>
+            <a:picLocks noChangeAspect="1"/>
+          </p:cNvPicPr>
+          <p:nvPr/>
+        </p:nvPicPr>
+        <p:blipFill>
+          <a:blip r:embed="rId3">
+            <a:extLst>
+              <a:ext uri="{28A0092B-C50C-407E-A947-70E740481C1C}">
+                <a14:useLocalDpi xmlns:a14="http://schemas.microsoft.com/office/drawing/2010/main" val="0"/>
+              </a:ext>
+            </a:extLst>
+          </a:blip>
+          <a:stretch>
+            <a:fillRect/>
+          </a:stretch>
+        </p:blipFill>
+        <p:spPr>
+          <a:xfrm>
+            <a:off x="10005252" y="3984171"/>
+            <a:ext cx="957943" cy="5747658"/>
+          </a:xfrm>
+          <a:prstGeom prst="rect">
+            <a:avLst/>
+          </a:prstGeom>
+        </p:spPr>
+      </p:pic>
+      <p:pic>
+        <p:nvPicPr>
+          <p:cNvPr id="10" name="Picture 9" descr="[NAME=point];&#10;[MOVEABLE];&#10;[MEMORY];"/>
+          <p:cNvPicPr>
+            <a:picLocks noChangeAspect="1"/>
+          </p:cNvPicPr>
+          <p:nvPr/>
+        </p:nvPicPr>
+        <p:blipFill>
+          <a:blip r:embed="rId4">
+            <a:extLst>
+              <a:ext uri="{28A0092B-C50C-407E-A947-70E740481C1C}">
+                <a14:useLocalDpi xmlns:a14="http://schemas.microsoft.com/office/drawing/2010/main" val="0"/>
+              </a:ext>
+            </a:extLst>
+          </a:blip>
+          <a:stretch>
+            <a:fillRect/>
+          </a:stretch>
+        </p:blipFill>
+        <p:spPr>
+          <a:xfrm>
+            <a:off x="8410893" y="2836409"/>
             <a:ext cx="466725" cy="695325"/>
+          </a:xfrm>
+          <a:prstGeom prst="rect">
+            <a:avLst/>
+          </a:prstGeom>
+        </p:spPr>
+      </p:pic>
+      <p:pic>
+        <p:nvPicPr>
+          <p:cNvPr id="2" name="Picture 1" descr="[NAME=PIPEUP1];&#10;[MEMORY];&#10;[COMPRESIONLEVEL=2];&#10;[MOVEABLE];&#10;[VISIBLE];&#10;[SKIPY];&#10;"/>
+          <p:cNvPicPr>
+            <a:picLocks noChangeAspect="1"/>
+          </p:cNvPicPr>
+          <p:nvPr/>
+        </p:nvPicPr>
+        <p:blipFill>
+          <a:blip r:embed="rId5">
+            <a:extLst>
+              <a:ext uri="{28A0092B-C50C-407E-A947-70E740481C1C}">
+                <a14:useLocalDpi xmlns:a14="http://schemas.microsoft.com/office/drawing/2010/main" val="0"/>
+              </a:ext>
+            </a:extLst>
+          </a:blip>
+          <a:stretch>
+            <a:fillRect/>
+          </a:stretch>
+        </p:blipFill>
+        <p:spPr>
+          <a:xfrm>
+            <a:off x="9934401" y="-4238653"/>
+            <a:ext cx="957943" cy="5747664"/>
+          </a:xfrm>
+          <a:prstGeom prst="rect">
+            <a:avLst/>
+          </a:prstGeom>
+        </p:spPr>
+      </p:pic>
+      <p:pic>
+        <p:nvPicPr>
+          <p:cNvPr id="11" name="Picture 10" descr="[NAME=PIPEUP2];&#10;[MEMORY];&#10;[COMPRESIONLEVEL=2];&#10;[MOVEABLE];&#10;[VISIBLE];&#10;[SKIPY];"/>
+          <p:cNvPicPr>
+            <a:picLocks noChangeAspect="1"/>
+          </p:cNvPicPr>
+          <p:nvPr/>
+        </p:nvPicPr>
+        <p:blipFill>
+          <a:blip r:embed="rId5">
+            <a:extLst>
+              <a:ext uri="{28A0092B-C50C-407E-A947-70E740481C1C}">
+                <a14:useLocalDpi xmlns:a14="http://schemas.microsoft.com/office/drawing/2010/main" val="0"/>
+              </a:ext>
+            </a:extLst>
+          </a:blip>
+          <a:stretch>
+            <a:fillRect/>
+          </a:stretch>
+        </p:blipFill>
+        <p:spPr>
+          <a:xfrm>
+            <a:off x="9276420" y="-4669592"/>
+            <a:ext cx="957943" cy="5747664"/>
+          </a:xfrm>
+          <a:prstGeom prst="rect">
+            <a:avLst/>
+          </a:prstGeom>
+        </p:spPr>
+      </p:pic>
+      <p:pic>
+        <p:nvPicPr>
+          <p:cNvPr id="12" name="Picture 11" descr="[NAME=PIPEUP3];&#10;[MEMORY];&#10;[COMPRESIONLEVEL=2];&#10;[MOVEABLE];&#10;[VISIBLE];&#10;[SKIPY];"/>
+          <p:cNvPicPr>
+            <a:picLocks noChangeAspect="1"/>
+          </p:cNvPicPr>
+          <p:nvPr/>
+        </p:nvPicPr>
+        <p:blipFill>
+          <a:blip r:embed="rId5">
+            <a:extLst>
+              <a:ext uri="{28A0092B-C50C-407E-A947-70E740481C1C}">
+                <a14:useLocalDpi xmlns:a14="http://schemas.microsoft.com/office/drawing/2010/main" val="0"/>
+              </a:ext>
+            </a:extLst>
+          </a:blip>
+          <a:stretch>
+            <a:fillRect/>
+          </a:stretch>
+        </p:blipFill>
+        <p:spPr>
+          <a:xfrm>
+            <a:off x="9605410" y="-3592502"/>
+            <a:ext cx="957943" cy="5747664"/>
+          </a:xfrm>
+          <a:prstGeom prst="rect">
+            <a:avLst/>
+          </a:prstGeom>
+        </p:spPr>
+      </p:pic>
+      <p:pic>
+        <p:nvPicPr>
+          <p:cNvPr id="14" name="Picture 13" descr="[MOVEABLE];&#10;[NAME=cloud1];&#10;[MEMORY];"/>
+          <p:cNvPicPr>
+            <a:picLocks noChangeAspect="1"/>
+          </p:cNvPicPr>
+          <p:nvPr/>
+        </p:nvPicPr>
+        <p:blipFill>
+          <a:blip r:embed="rId6">
+            <a:extLst>
+              <a:ext uri="{28A0092B-C50C-407E-A947-70E740481C1C}">
+                <a14:useLocalDpi xmlns:a14="http://schemas.microsoft.com/office/drawing/2010/main" val="0"/>
+              </a:ext>
+            </a:extLst>
+          </a:blip>
+          <a:stretch>
+            <a:fillRect/>
+          </a:stretch>
+        </p:blipFill>
+        <p:spPr>
+          <a:xfrm>
+            <a:off x="2457916" y="603822"/>
+            <a:ext cx="446353" cy="474250"/>
+          </a:xfrm>
+          <a:prstGeom prst="rect">
+            <a:avLst/>
+          </a:prstGeom>
+        </p:spPr>
+      </p:pic>
+      <p:pic>
+        <p:nvPicPr>
+          <p:cNvPr id="16" name="Picture 15" descr="[MOVEABLE];&#10;[NAME=cloud2];&#10;[MEMORY];"/>
+          <p:cNvPicPr>
+            <a:picLocks noChangeAspect="1"/>
+          </p:cNvPicPr>
+          <p:nvPr/>
+        </p:nvPicPr>
+        <p:blipFill>
+          <a:blip r:embed="rId6">
+            <a:extLst>
+              <a:ext uri="{28A0092B-C50C-407E-A947-70E740481C1C}">
+                <a14:useLocalDpi xmlns:a14="http://schemas.microsoft.com/office/drawing/2010/main" val="0"/>
+              </a:ext>
+            </a:extLst>
+          </a:blip>
+          <a:stretch>
+            <a:fillRect/>
+          </a:stretch>
+        </p:blipFill>
+        <p:spPr>
+          <a:xfrm>
+            <a:off x="5044933" y="2375405"/>
+            <a:ext cx="446353" cy="474250"/>
+          </a:xfrm>
+          <a:prstGeom prst="rect">
+            <a:avLst/>
+          </a:prstGeom>
+        </p:spPr>
+      </p:pic>
+      <p:pic>
+        <p:nvPicPr>
+          <p:cNvPr id="17" name="Picture 16" descr="[MOVEABLE];&#10;[NAME=cloud3];&#10;[MEMORY];"/>
+          <p:cNvPicPr>
+            <a:picLocks noChangeAspect="1"/>
+          </p:cNvPicPr>
+          <p:nvPr/>
+        </p:nvPicPr>
+        <p:blipFill>
+          <a:blip r:embed="rId6">
+            <a:extLst>
+              <a:ext uri="{28A0092B-C50C-407E-A947-70E740481C1C}">
+                <a14:useLocalDpi xmlns:a14="http://schemas.microsoft.com/office/drawing/2010/main" val="0"/>
+              </a:ext>
+            </a:extLst>
+          </a:blip>
+          <a:stretch>
+            <a:fillRect/>
+          </a:stretch>
+        </p:blipFill>
+        <p:spPr>
+          <a:xfrm>
+            <a:off x="6663632" y="1426400"/>
+            <a:ext cx="446353" cy="474250"/>
           </a:xfrm>
           <a:prstGeom prst="rect">
             <a:avLst/>

--- a/RealGame/PPVerilogEngine/main.pptx
+++ b/RealGame/PPVerilogEngine/main.pptx
@@ -243,7 +243,7 @@
           <a:p>
             <a:fld id="{0618B01E-3539-42E0-9F53-483F15259ADE}" type="datetimeFigureOut">
               <a:rPr lang="en-US" smtClean="0"/>
-              <a:t>12/4/2018</a:t>
+              <a:t>12/5/2018</a:t>
             </a:fld>
             <a:endParaRPr lang="en-US"/>
           </a:p>
@@ -413,7 +413,7 @@
           <a:p>
             <a:fld id="{0618B01E-3539-42E0-9F53-483F15259ADE}" type="datetimeFigureOut">
               <a:rPr lang="en-US" smtClean="0"/>
-              <a:t>12/4/2018</a:t>
+              <a:t>12/5/2018</a:t>
             </a:fld>
             <a:endParaRPr lang="en-US"/>
           </a:p>
@@ -593,7 +593,7 @@
           <a:p>
             <a:fld id="{0618B01E-3539-42E0-9F53-483F15259ADE}" type="datetimeFigureOut">
               <a:rPr lang="en-US" smtClean="0"/>
-              <a:t>12/4/2018</a:t>
+              <a:t>12/5/2018</a:t>
             </a:fld>
             <a:endParaRPr lang="en-US"/>
           </a:p>
@@ -763,7 +763,7 @@
           <a:p>
             <a:fld id="{0618B01E-3539-42E0-9F53-483F15259ADE}" type="datetimeFigureOut">
               <a:rPr lang="en-US" smtClean="0"/>
-              <a:t>12/4/2018</a:t>
+              <a:t>12/5/2018</a:t>
             </a:fld>
             <a:endParaRPr lang="en-US"/>
           </a:p>
@@ -1007,7 +1007,7 @@
           <a:p>
             <a:fld id="{0618B01E-3539-42E0-9F53-483F15259ADE}" type="datetimeFigureOut">
               <a:rPr lang="en-US" smtClean="0"/>
-              <a:t>12/4/2018</a:t>
+              <a:t>12/5/2018</a:t>
             </a:fld>
             <a:endParaRPr lang="en-US"/>
           </a:p>
@@ -1239,7 +1239,7 @@
           <a:p>
             <a:fld id="{0618B01E-3539-42E0-9F53-483F15259ADE}" type="datetimeFigureOut">
               <a:rPr lang="en-US" smtClean="0"/>
-              <a:t>12/4/2018</a:t>
+              <a:t>12/5/2018</a:t>
             </a:fld>
             <a:endParaRPr lang="en-US"/>
           </a:p>
@@ -1606,7 +1606,7 @@
           <a:p>
             <a:fld id="{0618B01E-3539-42E0-9F53-483F15259ADE}" type="datetimeFigureOut">
               <a:rPr lang="en-US" smtClean="0"/>
-              <a:t>12/4/2018</a:t>
+              <a:t>12/5/2018</a:t>
             </a:fld>
             <a:endParaRPr lang="en-US"/>
           </a:p>
@@ -1724,7 +1724,7 @@
           <a:p>
             <a:fld id="{0618B01E-3539-42E0-9F53-483F15259ADE}" type="datetimeFigureOut">
               <a:rPr lang="en-US" smtClean="0"/>
-              <a:t>12/4/2018</a:t>
+              <a:t>12/5/2018</a:t>
             </a:fld>
             <a:endParaRPr lang="en-US"/>
           </a:p>
@@ -1819,7 +1819,7 @@
           <a:p>
             <a:fld id="{0618B01E-3539-42E0-9F53-483F15259ADE}" type="datetimeFigureOut">
               <a:rPr lang="en-US" smtClean="0"/>
-              <a:t>12/4/2018</a:t>
+              <a:t>12/5/2018</a:t>
             </a:fld>
             <a:endParaRPr lang="en-US"/>
           </a:p>
@@ -2096,7 +2096,7 @@
           <a:p>
             <a:fld id="{0618B01E-3539-42E0-9F53-483F15259ADE}" type="datetimeFigureOut">
               <a:rPr lang="en-US" smtClean="0"/>
-              <a:t>12/4/2018</a:t>
+              <a:t>12/5/2018</a:t>
             </a:fld>
             <a:endParaRPr lang="en-US"/>
           </a:p>
@@ -2353,7 +2353,7 @@
           <a:p>
             <a:fld id="{0618B01E-3539-42E0-9F53-483F15259ADE}" type="datetimeFigureOut">
               <a:rPr lang="en-US" smtClean="0"/>
-              <a:t>12/4/2018</a:t>
+              <a:t>12/5/2018</a:t>
             </a:fld>
             <a:endParaRPr lang="en-US"/>
           </a:p>
@@ -2566,7 +2566,7 @@
           <a:p>
             <a:fld id="{0618B01E-3539-42E0-9F53-483F15259ADE}" type="datetimeFigureOut">
               <a:rPr lang="en-US" smtClean="0"/>
-              <a:t>12/4/2018</a:t>
+              <a:t>12/5/2018</a:t>
             </a:fld>
             <a:endParaRPr lang="en-US"/>
           </a:p>
@@ -2973,7 +2973,7 @@
       </p:grpSpPr>
       <p:pic>
         <p:nvPicPr>
-          <p:cNvPr id="5" name="Picture 4" descr="[NAME=BACK2];&#10;[COMPRESIONLEVEL=5];&#10;[MOVEABLE];&#10;[MEMORY];"/>
+          <p:cNvPr id="5" name="Picture 4" descr="[NAME=BACK2];&#10;[COMPRESIONLEVEL=5];&#10;[MOVEABLE];&#10;[MEMORY];&#10;[SKIPX];"/>
           <p:cNvPicPr>
             <a:picLocks noChangeAspect="1"/>
           </p:cNvPicPr>
@@ -3003,7 +3003,7 @@
       </p:pic>
       <p:pic>
         <p:nvPicPr>
-          <p:cNvPr id="3" name="Picture 2" descr="[NAME=BACK1];&#10;[COMPRESIONLEVEL=5];&#10;[MOVEABLE];&#10;[MEMORY];"/>
+          <p:cNvPr id="3" name="Picture 2" descr="[NAME=BACK1];&#10;[COMPRESIONLEVEL=5];&#10;[MOVEABLE];&#10;[MEMORY];&#10;[SKIPX];"/>
           <p:cNvPicPr>
             <a:picLocks noChangeAspect="1"/>
           </p:cNvPicPr>
@@ -3031,69 +3031,6 @@
           </a:prstGeom>
         </p:spPr>
       </p:pic>
-      <p:sp>
-        <p:nvSpPr>
-          <p:cNvPr id="9" name="Rectangle 8"/>
-          <p:cNvSpPr/>
-          <p:nvPr/>
-        </p:nvSpPr>
-        <p:spPr>
-          <a:xfrm>
-            <a:off x="9525" y="2721"/>
-            <a:ext cx="1694542" cy="6858000"/>
-          </a:xfrm>
-          <a:prstGeom prst="rect">
-            <a:avLst/>
-          </a:prstGeom>
-          <a:solidFill>
-            <a:schemeClr val="accent5">
-              <a:lumMod val="75000"/>
-            </a:schemeClr>
-          </a:solidFill>
-          <a:ln w="57150">
-            <a:solidFill>
-              <a:schemeClr val="tx2">
-                <a:lumMod val="50000"/>
-              </a:schemeClr>
-            </a:solidFill>
-          </a:ln>
-        </p:spPr>
-        <p:style>
-          <a:lnRef idx="2">
-            <a:schemeClr val="accent3">
-              <a:shade val="50000"/>
-            </a:schemeClr>
-          </a:lnRef>
-          <a:fillRef idx="1">
-            <a:schemeClr val="accent3"/>
-          </a:fillRef>
-          <a:effectRef idx="0">
-            <a:schemeClr val="accent3"/>
-          </a:effectRef>
-          <a:fontRef idx="minor">
-            <a:schemeClr val="lt1"/>
-          </a:fontRef>
-        </p:style>
-        <p:txBody>
-          <a:bodyPr rtlCol="0" anchor="ctr"/>
-          <a:lstStyle/>
-          <a:p>
-            <a:pPr algn="ctr"/>
-            <a:r>
-              <a:rPr lang="en-US" dirty="0" smtClean="0"/>
-              <a:t>[NAME=LEFTBOX];</a:t>
-            </a:r>
-          </a:p>
-          <a:p>
-            <a:pPr algn="ctr"/>
-            <a:r>
-              <a:rPr lang="en-US" dirty="0" smtClean="0"/>
-              <a:t>[BORDER];</a:t>
-            </a:r>
-            <a:endParaRPr lang="en-US" dirty="0"/>
-          </a:p>
-        </p:txBody>
-      </p:sp>
       <p:pic>
         <p:nvPicPr>
           <p:cNvPr id="6" name="Picture 5" descr="[NAME=PIPEDOWN1];&#10;[MEMORY];&#10;[COMPRESIONLEVEL=2];&#10;[MOVEABLE];&#10;[VISIBLE];&#10;"/>
@@ -3394,6 +3331,69 @@
           </a:prstGeom>
         </p:spPr>
       </p:pic>
+      <p:sp>
+        <p:nvSpPr>
+          <p:cNvPr id="9" name="Rectangle 8"/>
+          <p:cNvSpPr/>
+          <p:nvPr/>
+        </p:nvSpPr>
+        <p:spPr>
+          <a:xfrm>
+            <a:off x="9525" y="2721"/>
+            <a:ext cx="1694542" cy="6858000"/>
+          </a:xfrm>
+          <a:prstGeom prst="rect">
+            <a:avLst/>
+          </a:prstGeom>
+          <a:solidFill>
+            <a:schemeClr val="accent5">
+              <a:lumMod val="75000"/>
+            </a:schemeClr>
+          </a:solidFill>
+          <a:ln w="57150">
+            <a:solidFill>
+              <a:schemeClr val="tx2">
+                <a:lumMod val="50000"/>
+              </a:schemeClr>
+            </a:solidFill>
+          </a:ln>
+        </p:spPr>
+        <p:style>
+          <a:lnRef idx="2">
+            <a:schemeClr val="accent3">
+              <a:shade val="50000"/>
+            </a:schemeClr>
+          </a:lnRef>
+          <a:fillRef idx="1">
+            <a:schemeClr val="accent3"/>
+          </a:fillRef>
+          <a:effectRef idx="0">
+            <a:schemeClr val="accent3"/>
+          </a:effectRef>
+          <a:fontRef idx="minor">
+            <a:schemeClr val="lt1"/>
+          </a:fontRef>
+        </p:style>
+        <p:txBody>
+          <a:bodyPr rtlCol="0" anchor="ctr"/>
+          <a:lstStyle/>
+          <a:p>
+            <a:pPr algn="ctr"/>
+            <a:r>
+              <a:rPr lang="en-US" dirty="0" smtClean="0"/>
+              <a:t>[NAME=LEFTBOX];</a:t>
+            </a:r>
+          </a:p>
+          <a:p>
+            <a:pPr algn="ctr"/>
+            <a:r>
+              <a:rPr lang="en-US" dirty="0" smtClean="0"/>
+              <a:t>[BORDER];</a:t>
+            </a:r>
+            <a:endParaRPr lang="en-US" dirty="0"/>
+          </a:p>
+        </p:txBody>
+      </p:sp>
     </p:spTree>
     <p:extLst>
       <p:ext uri="{BB962C8B-B14F-4D97-AF65-F5344CB8AC3E}">

--- a/RealGame/PPVerilogEngine/main.pptx
+++ b/RealGame/PPVerilogEngine/main.pptx
@@ -243,7 +243,7 @@
           <a:p>
             <a:fld id="{0618B01E-3539-42E0-9F53-483F15259ADE}" type="datetimeFigureOut">
               <a:rPr lang="en-US" smtClean="0"/>
-              <a:t>12/5/2018</a:t>
+              <a:t>12/6/2018</a:t>
             </a:fld>
             <a:endParaRPr lang="en-US"/>
           </a:p>
@@ -413,7 +413,7 @@
           <a:p>
             <a:fld id="{0618B01E-3539-42E0-9F53-483F15259ADE}" type="datetimeFigureOut">
               <a:rPr lang="en-US" smtClean="0"/>
-              <a:t>12/5/2018</a:t>
+              <a:t>12/6/2018</a:t>
             </a:fld>
             <a:endParaRPr lang="en-US"/>
           </a:p>
@@ -593,7 +593,7 @@
           <a:p>
             <a:fld id="{0618B01E-3539-42E0-9F53-483F15259ADE}" type="datetimeFigureOut">
               <a:rPr lang="en-US" smtClean="0"/>
-              <a:t>12/5/2018</a:t>
+              <a:t>12/6/2018</a:t>
             </a:fld>
             <a:endParaRPr lang="en-US"/>
           </a:p>
@@ -763,7 +763,7 @@
           <a:p>
             <a:fld id="{0618B01E-3539-42E0-9F53-483F15259ADE}" type="datetimeFigureOut">
               <a:rPr lang="en-US" smtClean="0"/>
-              <a:t>12/5/2018</a:t>
+              <a:t>12/6/2018</a:t>
             </a:fld>
             <a:endParaRPr lang="en-US"/>
           </a:p>
@@ -1007,7 +1007,7 @@
           <a:p>
             <a:fld id="{0618B01E-3539-42E0-9F53-483F15259ADE}" type="datetimeFigureOut">
               <a:rPr lang="en-US" smtClean="0"/>
-              <a:t>12/5/2018</a:t>
+              <a:t>12/6/2018</a:t>
             </a:fld>
             <a:endParaRPr lang="en-US"/>
           </a:p>
@@ -1239,7 +1239,7 @@
           <a:p>
             <a:fld id="{0618B01E-3539-42E0-9F53-483F15259ADE}" type="datetimeFigureOut">
               <a:rPr lang="en-US" smtClean="0"/>
-              <a:t>12/5/2018</a:t>
+              <a:t>12/6/2018</a:t>
             </a:fld>
             <a:endParaRPr lang="en-US"/>
           </a:p>
@@ -1606,7 +1606,7 @@
           <a:p>
             <a:fld id="{0618B01E-3539-42E0-9F53-483F15259ADE}" type="datetimeFigureOut">
               <a:rPr lang="en-US" smtClean="0"/>
-              <a:t>12/5/2018</a:t>
+              <a:t>12/6/2018</a:t>
             </a:fld>
             <a:endParaRPr lang="en-US"/>
           </a:p>
@@ -1724,7 +1724,7 @@
           <a:p>
             <a:fld id="{0618B01E-3539-42E0-9F53-483F15259ADE}" type="datetimeFigureOut">
               <a:rPr lang="en-US" smtClean="0"/>
-              <a:t>12/5/2018</a:t>
+              <a:t>12/6/2018</a:t>
             </a:fld>
             <a:endParaRPr lang="en-US"/>
           </a:p>
@@ -1819,7 +1819,7 @@
           <a:p>
             <a:fld id="{0618B01E-3539-42E0-9F53-483F15259ADE}" type="datetimeFigureOut">
               <a:rPr lang="en-US" smtClean="0"/>
-              <a:t>12/5/2018</a:t>
+              <a:t>12/6/2018</a:t>
             </a:fld>
             <a:endParaRPr lang="en-US"/>
           </a:p>
@@ -2096,7 +2096,7 @@
           <a:p>
             <a:fld id="{0618B01E-3539-42E0-9F53-483F15259ADE}" type="datetimeFigureOut">
               <a:rPr lang="en-US" smtClean="0"/>
-              <a:t>12/5/2018</a:t>
+              <a:t>12/6/2018</a:t>
             </a:fld>
             <a:endParaRPr lang="en-US"/>
           </a:p>
@@ -2353,7 +2353,7 @@
           <a:p>
             <a:fld id="{0618B01E-3539-42E0-9F53-483F15259ADE}" type="datetimeFigureOut">
               <a:rPr lang="en-US" smtClean="0"/>
-              <a:t>12/5/2018</a:t>
+              <a:t>12/6/2018</a:t>
             </a:fld>
             <a:endParaRPr lang="en-US"/>
           </a:p>
@@ -2566,7 +2566,7 @@
           <a:p>
             <a:fld id="{0618B01E-3539-42E0-9F53-483F15259ADE}" type="datetimeFigureOut">
               <a:rPr lang="en-US" smtClean="0"/>
-              <a:t>12/5/2018</a:t>
+              <a:t>12/6/2018</a:t>
             </a:fld>
             <a:endParaRPr lang="en-US"/>
           </a:p>
@@ -3024,7 +3024,7 @@
         <p:spPr>
           <a:xfrm>
             <a:off x="-3588875" y="0"/>
-            <a:ext cx="9155997" cy="7048499"/>
+            <a:ext cx="9306094" cy="7048499"/>
           </a:xfrm>
           <a:prstGeom prst="rect">
             <a:avLst/>
@@ -3243,37 +3243,7 @@
       </p:pic>
       <p:pic>
         <p:nvPicPr>
-          <p:cNvPr id="14" name="Picture 13" descr="[MOVEABLE];&#10;[NAME=cloud1];&#10;[MEMORY];"/>
-          <p:cNvPicPr>
-            <a:picLocks noChangeAspect="1"/>
-          </p:cNvPicPr>
-          <p:nvPr/>
-        </p:nvPicPr>
-        <p:blipFill>
-          <a:blip r:embed="rId6">
-            <a:extLst>
-              <a:ext uri="{28A0092B-C50C-407E-A947-70E740481C1C}">
-                <a14:useLocalDpi xmlns:a14="http://schemas.microsoft.com/office/drawing/2010/main" val="0"/>
-              </a:ext>
-            </a:extLst>
-          </a:blip>
-          <a:stretch>
-            <a:fillRect/>
-          </a:stretch>
-        </p:blipFill>
-        <p:spPr>
-          <a:xfrm>
-            <a:off x="2457916" y="603822"/>
-            <a:ext cx="446353" cy="474250"/>
-          </a:xfrm>
-          <a:prstGeom prst="rect">
-            <a:avLst/>
-          </a:prstGeom>
-        </p:spPr>
-      </p:pic>
-      <p:pic>
-        <p:nvPicPr>
-          <p:cNvPr id="16" name="Picture 15" descr="[MOVEABLE];&#10;[NAME=cloud2];&#10;[MEMORY];"/>
+          <p:cNvPr id="16" name="Picture 15" descr="[MOVEABLE];&#10;[NAME=cloud2];&#10;[MEMORY];&#10;[BOUNCING];&#10;[BOUNDSX=125,580];&#10;[BOUNDSY=40,150];&#10;[AnimationSpeed=3];"/>
           <p:cNvPicPr>
             <a:picLocks noChangeAspect="1"/>
           </p:cNvPicPr>
@@ -3303,7 +3273,7 @@
       </p:pic>
       <p:pic>
         <p:nvPicPr>
-          <p:cNvPr id="17" name="Picture 16" descr="[MOVEABLE];&#10;[NAME=cloud3];&#10;[MEMORY];"/>
+          <p:cNvPr id="17" name="Picture 16" descr="[MOVEABLE];&#10;[NAME=cloud3];&#10;[MEMORY];&#10;[BOUNCING];&#10;[BOUNDSX=115,600];&#10;[BOUNDSY=70,180];&#10;[AnimationSpeed=5];"/>
           <p:cNvPicPr>
             <a:picLocks noChangeAspect="1"/>
           </p:cNvPicPr>
@@ -3339,8 +3309,8 @@
         </p:nvSpPr>
         <p:spPr>
           <a:xfrm>
-            <a:off x="9525" y="2721"/>
-            <a:ext cx="1694542" cy="6858000"/>
+            <a:off x="9526" y="2721"/>
+            <a:ext cx="1055794" cy="6858000"/>
           </a:xfrm>
           <a:prstGeom prst="rect">
             <a:avLst/>
@@ -3394,6 +3364,36 @@
           </a:p>
         </p:txBody>
       </p:sp>
+      <p:pic>
+        <p:nvPicPr>
+          <p:cNvPr id="4" name="Picture 3" descr="[MOVEABLE];&#10;[NAME=cloud1];&#10;[MEMORY];&#10;[BOUNCING];&#10;[BOUNDSX=225,510];&#10;[BOUNDSY=20,120];&#10;[AnimationSpeed=1];&#10;[SPRITES=3];"/>
+          <p:cNvPicPr>
+            <a:picLocks noChangeAspect="1"/>
+          </p:cNvPicPr>
+          <p:nvPr/>
+        </p:nvPicPr>
+        <p:blipFill>
+          <a:blip r:embed="rId7">
+            <a:extLst>
+              <a:ext uri="{28A0092B-C50C-407E-A947-70E740481C1C}">
+                <a14:useLocalDpi xmlns:a14="http://schemas.microsoft.com/office/drawing/2010/main" val="0"/>
+              </a:ext>
+            </a:extLst>
+          </a:blip>
+          <a:stretch>
+            <a:fillRect/>
+          </a:stretch>
+        </p:blipFill>
+        <p:spPr>
+          <a:xfrm>
+            <a:off x="2597788" y="603822"/>
+            <a:ext cx="1339059" cy="474250"/>
+          </a:xfrm>
+          <a:prstGeom prst="rect">
+            <a:avLst/>
+          </a:prstGeom>
+        </p:spPr>
+      </p:pic>
     </p:spTree>
     <p:extLst>
       <p:ext uri="{BB962C8B-B14F-4D97-AF65-F5344CB8AC3E}">

--- a/RealGame/PPVerilogEngine/main.pptx
+++ b/RealGame/PPVerilogEngine/main.pptx
@@ -6,6 +6,7 @@
   </p:sldMasterIdLst>
   <p:sldIdLst>
     <p:sldId id="256" r:id="rId2"/>
+    <p:sldId id="257" r:id="rId3"/>
   </p:sldIdLst>
   <p:sldSz cx="9144000" cy="6858000" type="screen4x3"/>
   <p:notesSz cx="6858000" cy="9144000"/>
@@ -243,7 +244,7 @@
           <a:p>
             <a:fld id="{0618B01E-3539-42E0-9F53-483F15259ADE}" type="datetimeFigureOut">
               <a:rPr lang="en-US" smtClean="0"/>
-              <a:t>12/6/2018</a:t>
+              <a:t>12/9/2018</a:t>
             </a:fld>
             <a:endParaRPr lang="en-US"/>
           </a:p>
@@ -413,7 +414,7 @@
           <a:p>
             <a:fld id="{0618B01E-3539-42E0-9F53-483F15259ADE}" type="datetimeFigureOut">
               <a:rPr lang="en-US" smtClean="0"/>
-              <a:t>12/6/2018</a:t>
+              <a:t>12/9/2018</a:t>
             </a:fld>
             <a:endParaRPr lang="en-US"/>
           </a:p>
@@ -593,7 +594,7 @@
           <a:p>
             <a:fld id="{0618B01E-3539-42E0-9F53-483F15259ADE}" type="datetimeFigureOut">
               <a:rPr lang="en-US" smtClean="0"/>
-              <a:t>12/6/2018</a:t>
+              <a:t>12/9/2018</a:t>
             </a:fld>
             <a:endParaRPr lang="en-US"/>
           </a:p>
@@ -763,7 +764,7 @@
           <a:p>
             <a:fld id="{0618B01E-3539-42E0-9F53-483F15259ADE}" type="datetimeFigureOut">
               <a:rPr lang="en-US" smtClean="0"/>
-              <a:t>12/6/2018</a:t>
+              <a:t>12/9/2018</a:t>
             </a:fld>
             <a:endParaRPr lang="en-US"/>
           </a:p>
@@ -1007,7 +1008,7 @@
           <a:p>
             <a:fld id="{0618B01E-3539-42E0-9F53-483F15259ADE}" type="datetimeFigureOut">
               <a:rPr lang="en-US" smtClean="0"/>
-              <a:t>12/6/2018</a:t>
+              <a:t>12/9/2018</a:t>
             </a:fld>
             <a:endParaRPr lang="en-US"/>
           </a:p>
@@ -1239,7 +1240,7 @@
           <a:p>
             <a:fld id="{0618B01E-3539-42E0-9F53-483F15259ADE}" type="datetimeFigureOut">
               <a:rPr lang="en-US" smtClean="0"/>
-              <a:t>12/6/2018</a:t>
+              <a:t>12/9/2018</a:t>
             </a:fld>
             <a:endParaRPr lang="en-US"/>
           </a:p>
@@ -1606,7 +1607,7 @@
           <a:p>
             <a:fld id="{0618B01E-3539-42E0-9F53-483F15259ADE}" type="datetimeFigureOut">
               <a:rPr lang="en-US" smtClean="0"/>
-              <a:t>12/6/2018</a:t>
+              <a:t>12/9/2018</a:t>
             </a:fld>
             <a:endParaRPr lang="en-US"/>
           </a:p>
@@ -1724,7 +1725,7 @@
           <a:p>
             <a:fld id="{0618B01E-3539-42E0-9F53-483F15259ADE}" type="datetimeFigureOut">
               <a:rPr lang="en-US" smtClean="0"/>
-              <a:t>12/6/2018</a:t>
+              <a:t>12/9/2018</a:t>
             </a:fld>
             <a:endParaRPr lang="en-US"/>
           </a:p>
@@ -1819,7 +1820,7 @@
           <a:p>
             <a:fld id="{0618B01E-3539-42E0-9F53-483F15259ADE}" type="datetimeFigureOut">
               <a:rPr lang="en-US" smtClean="0"/>
-              <a:t>12/6/2018</a:t>
+              <a:t>12/9/2018</a:t>
             </a:fld>
             <a:endParaRPr lang="en-US"/>
           </a:p>
@@ -2096,7 +2097,7 @@
           <a:p>
             <a:fld id="{0618B01E-3539-42E0-9F53-483F15259ADE}" type="datetimeFigureOut">
               <a:rPr lang="en-US" smtClean="0"/>
-              <a:t>12/6/2018</a:t>
+              <a:t>12/9/2018</a:t>
             </a:fld>
             <a:endParaRPr lang="en-US"/>
           </a:p>
@@ -2353,7 +2354,7 @@
           <a:p>
             <a:fld id="{0618B01E-3539-42E0-9F53-483F15259ADE}" type="datetimeFigureOut">
               <a:rPr lang="en-US" smtClean="0"/>
-              <a:t>12/6/2018</a:t>
+              <a:t>12/9/2018</a:t>
             </a:fld>
             <a:endParaRPr lang="en-US"/>
           </a:p>
@@ -2566,7 +2567,7 @@
           <a:p>
             <a:fld id="{0618B01E-3539-42E0-9F53-483F15259ADE}" type="datetimeFigureOut">
               <a:rPr lang="en-US" smtClean="0"/>
-              <a:t>12/6/2018</a:t>
+              <a:t>12/9/2018</a:t>
             </a:fld>
             <a:endParaRPr lang="en-US"/>
           </a:p>
@@ -2993,7 +2994,7 @@
         </p:blipFill>
         <p:spPr>
           <a:xfrm>
-            <a:off x="5524864" y="-1"/>
+            <a:off x="9109902" y="-1"/>
             <a:ext cx="9147628" cy="7048500"/>
           </a:xfrm>
           <a:prstGeom prst="rect">
@@ -3023,7 +3024,7 @@
         </p:blipFill>
         <p:spPr>
           <a:xfrm>
-            <a:off x="-3588875" y="0"/>
+            <a:off x="-3837" y="0"/>
             <a:ext cx="9306094" cy="7048499"/>
           </a:xfrm>
           <a:prstGeom prst="rect">
@@ -3033,7 +3034,7 @@
       </p:pic>
       <p:pic>
         <p:nvPicPr>
-          <p:cNvPr id="6" name="Picture 5" descr="[NAME=PIPEDOWN1];&#10;[MEMORY];&#10;[COMPRESIONLEVEL=2];&#10;[MOVEABLE];&#10;[VISIBLE];&#10;"/>
+          <p:cNvPr id="6" name="Picture 5" descr="[NAME=PIPEDOWN1];&#10;[MEMORY];&#10;[COMPRESIONLEVEL=2];&#10;[MOVEABLE];&#10;[VISIBLE];&#10;[COLLIDING=tuberias];&#10;"/>
           <p:cNvPicPr>
             <a:picLocks noChangeAspect="1"/>
           </p:cNvPicPr>
@@ -3063,7 +3064,7 @@
       </p:pic>
       <p:pic>
         <p:nvPicPr>
-          <p:cNvPr id="7" name="Picture 6" descr="[NAME=PIPEDOWN2];&#10;[MEMORY];&#10;[COMPRESIONLEVEL=2];&#10;[MOVEABLE];&#10;[VISIBLE];&#10;"/>
+          <p:cNvPr id="7" name="Picture 6" descr="[NAME=PIPEDOWN2];&#10;[MEMORY];&#10;[COMPRESIONLEVEL=2];&#10;[MOVEABLE];&#10;[VISIBLE];&#10;[COLLIDING=tuberias];&#10;"/>
           <p:cNvPicPr>
             <a:picLocks noChangeAspect="1"/>
           </p:cNvPicPr>
@@ -3093,7 +3094,7 @@
       </p:pic>
       <p:pic>
         <p:nvPicPr>
-          <p:cNvPr id="8" name="Picture 7" descr="[NAME=PIPEDOWN3];&#10;[MEMORY];&#10;[COMPRESIONLEVEL=2];&#10;[MOVEABLE];&#10;[VISIBLE];&#10;"/>
+          <p:cNvPr id="8" name="Picture 7" descr="[NAME=PIPEDOWN3];&#10;[MEMORY];&#10;[COMPRESIONLEVEL=2];&#10;[MOVEABLE];&#10;[VISIBLE];&#10;[COLLIDING=tuberias];&#10;"/>
           <p:cNvPicPr>
             <a:picLocks noChangeAspect="1"/>
           </p:cNvPicPr>
@@ -3153,7 +3154,7 @@
       </p:pic>
       <p:pic>
         <p:nvPicPr>
-          <p:cNvPr id="2" name="Picture 1" descr="[NAME=PIPEUP1];&#10;[MEMORY];&#10;[COMPRESIONLEVEL=2];&#10;[MOVEABLE];&#10;[VISIBLE];&#10;[SKIPY];&#10;"/>
+          <p:cNvPr id="2" name="Picture 1" descr="[NAME=PIPEUP1];&#10;[MEMORY];&#10;[COMPRESIONLEVEL=2];&#10;[MOVEABLE];&#10;[VISIBLE];&#10;[SKIPY];&#10;[COLLIDING=tuberias];&#10;"/>
           <p:cNvPicPr>
             <a:picLocks noChangeAspect="1"/>
           </p:cNvPicPr>
@@ -3183,7 +3184,7 @@
       </p:pic>
       <p:pic>
         <p:nvPicPr>
-          <p:cNvPr id="11" name="Picture 10" descr="[NAME=PIPEUP2];&#10;[MEMORY];&#10;[COMPRESIONLEVEL=2];&#10;[MOVEABLE];&#10;[VISIBLE];&#10;[SKIPY];"/>
+          <p:cNvPr id="11" name="Picture 10" descr="[NAME=PIPEUP2];&#10;[MEMORY];&#10;[COMPRESIONLEVEL=2];&#10;[MOVEABLE];&#10;[VISIBLE];&#10;[SKIPY];&#10;[COLLIDING=tuberias];"/>
           <p:cNvPicPr>
             <a:picLocks noChangeAspect="1"/>
           </p:cNvPicPr>
@@ -3213,7 +3214,7 @@
       </p:pic>
       <p:pic>
         <p:nvPicPr>
-          <p:cNvPr id="12" name="Picture 11" descr="[NAME=PIPEUP3];&#10;[MEMORY];&#10;[COMPRESIONLEVEL=2];&#10;[MOVEABLE];&#10;[VISIBLE];&#10;[SKIPY];"/>
+          <p:cNvPr id="12" name="Picture 11" descr="[NAME=PIPEUP3];&#10;[MEMORY];&#10;[COMPRESIONLEVEL=2];&#10;[MOVEABLE];&#10;[VISIBLE];&#10;[SKIPY];&#10;[COLLIDING=tuberias];"/>
           <p:cNvPicPr>
             <a:picLocks noChangeAspect="1"/>
           </p:cNvPicPr>
@@ -3394,10 +3395,138 @@
           </a:prstGeom>
         </p:spPr>
       </p:pic>
+      <p:pic>
+        <p:nvPicPr>
+          <p:cNvPr id="19" name="Picture 18" descr="[MOVEABLE];&#10;[NAME=bird];&#10;[MEMORY];&#10;[SPRITES=12];&#10;[COMPRESIONLEVEL=1];&#10;[COLLIDING=tuberias];"/>
+          <p:cNvPicPr>
+            <a:picLocks noChangeAspect="1"/>
+          </p:cNvPicPr>
+          <p:nvPr/>
+        </p:nvPicPr>
+        <p:blipFill>
+          <a:blip r:embed="rId8">
+            <a:extLst>
+              <a:ext uri="{28A0092B-C50C-407E-A947-70E740481C1C}">
+                <a14:useLocalDpi xmlns:a14="http://schemas.microsoft.com/office/drawing/2010/main" val="0"/>
+              </a:ext>
+            </a:extLst>
+          </a:blip>
+          <a:stretch>
+            <a:fillRect/>
+          </a:stretch>
+        </p:blipFill>
+        <p:spPr>
+          <a:xfrm>
+            <a:off x="2597788" y="3232252"/>
+            <a:ext cx="13610596" cy="899975"/>
+          </a:xfrm>
+          <a:prstGeom prst="rect">
+            <a:avLst/>
+          </a:prstGeom>
+        </p:spPr>
+      </p:pic>
     </p:spTree>
     <p:extLst>
       <p:ext uri="{BB962C8B-B14F-4D97-AF65-F5344CB8AC3E}">
         <p14:creationId xmlns:p14="http://schemas.microsoft.com/office/powerpoint/2010/main" val="3136697912"/>
+      </p:ext>
+    </p:extLst>
+  </p:cSld>
+  <p:clrMapOvr>
+    <a:masterClrMapping/>
+  </p:clrMapOvr>
+</p:sld>
+</file>
+
+<file path=ppt/slides/slide2.xml><?xml version="1.0" encoding="utf-8"?>
+<p:sld xmlns:a="http://schemas.openxmlformats.org/drawingml/2006/main" xmlns:r="http://schemas.openxmlformats.org/officeDocument/2006/relationships" xmlns:p="http://schemas.openxmlformats.org/presentationml/2006/main">
+  <p:cSld>
+    <p:spTree>
+      <p:nvGrpSpPr>
+        <p:cNvPr id="1" name=""/>
+        <p:cNvGrpSpPr/>
+        <p:nvPr/>
+      </p:nvGrpSpPr>
+      <p:grpSpPr>
+        <a:xfrm>
+          <a:off x="0" y="0"/>
+          <a:ext cx="0" cy="0"/>
+          <a:chOff x="0" y="0"/>
+          <a:chExt cx="0" cy="0"/>
+        </a:xfrm>
+      </p:grpSpPr>
+      <p:sp>
+        <p:nvSpPr>
+          <p:cNvPr id="2" name="Title 1"/>
+          <p:cNvSpPr>
+            <a:spLocks noGrp="1"/>
+          </p:cNvSpPr>
+          <p:nvPr>
+            <p:ph type="title"/>
+          </p:nvPr>
+        </p:nvSpPr>
+        <p:spPr/>
+        <p:txBody>
+          <a:bodyPr/>
+          <a:lstStyle/>
+          <a:p>
+            <a:endParaRPr lang="en-US" dirty="0"/>
+          </a:p>
+        </p:txBody>
+      </p:sp>
+      <p:sp>
+        <p:nvSpPr>
+          <p:cNvPr id="3" name="Content Placeholder 2"/>
+          <p:cNvSpPr>
+            <a:spLocks noGrp="1"/>
+          </p:cNvSpPr>
+          <p:nvPr>
+            <p:ph idx="1"/>
+          </p:nvPr>
+        </p:nvSpPr>
+        <p:spPr/>
+        <p:txBody>
+          <a:bodyPr/>
+          <a:lstStyle/>
+          <a:p>
+            <a:endParaRPr lang="en-US"/>
+          </a:p>
+        </p:txBody>
+      </p:sp>
+      <p:pic>
+        <p:nvPicPr>
+          <p:cNvPr id="5" name="Picture 4" descr="[MOVEABLE];&#10;[NAME=cloud1];&#10;[MEMORY];&#10;[BOUNCING];&#10;[BOUNDSX=225,510];&#10;[BOUNDSY=20,120];&#10;[AnimationSpeed=1];&#10;[SPRITES=3];"/>
+          <p:cNvPicPr>
+            <a:picLocks noChangeAspect="1"/>
+          </p:cNvPicPr>
+          <p:nvPr/>
+        </p:nvPicPr>
+        <p:blipFill>
+          <a:blip r:embed="rId2">
+            <a:extLst>
+              <a:ext uri="{28A0092B-C50C-407E-A947-70E740481C1C}">
+                <a14:useLocalDpi xmlns:a14="http://schemas.microsoft.com/office/drawing/2010/main" val="0"/>
+              </a:ext>
+            </a:extLst>
+          </a:blip>
+          <a:stretch>
+            <a:fillRect/>
+          </a:stretch>
+        </p:blipFill>
+        <p:spPr>
+          <a:xfrm>
+            <a:off x="2597788" y="603822"/>
+            <a:ext cx="1339059" cy="474250"/>
+          </a:xfrm>
+          <a:prstGeom prst="rect">
+            <a:avLst/>
+          </a:prstGeom>
+        </p:spPr>
+      </p:pic>
+    </p:spTree>
+    <p:extLst>
+      <p:ext uri="{BB962C8B-B14F-4D97-AF65-F5344CB8AC3E}">
+        <p14:creationId xmlns:p14="http://schemas.microsoft.com/office/powerpoint/2010/main" val="2086535547"/>
       </p:ext>
     </p:extLst>
   </p:cSld>

--- a/RealGame/PPVerilogEngine/main.pptx
+++ b/RealGame/PPVerilogEngine/main.pptx
@@ -244,7 +244,7 @@
           <a:p>
             <a:fld id="{0618B01E-3539-42E0-9F53-483F15259ADE}" type="datetimeFigureOut">
               <a:rPr lang="en-US" smtClean="0"/>
-              <a:t>12/9/2018</a:t>
+              <a:t>12/13/2018</a:t>
             </a:fld>
             <a:endParaRPr lang="en-US"/>
           </a:p>
@@ -414,7 +414,7 @@
           <a:p>
             <a:fld id="{0618B01E-3539-42E0-9F53-483F15259ADE}" type="datetimeFigureOut">
               <a:rPr lang="en-US" smtClean="0"/>
-              <a:t>12/9/2018</a:t>
+              <a:t>12/13/2018</a:t>
             </a:fld>
             <a:endParaRPr lang="en-US"/>
           </a:p>
@@ -594,7 +594,7 @@
           <a:p>
             <a:fld id="{0618B01E-3539-42E0-9F53-483F15259ADE}" type="datetimeFigureOut">
               <a:rPr lang="en-US" smtClean="0"/>
-              <a:t>12/9/2018</a:t>
+              <a:t>12/13/2018</a:t>
             </a:fld>
             <a:endParaRPr lang="en-US"/>
           </a:p>
@@ -764,7 +764,7 @@
           <a:p>
             <a:fld id="{0618B01E-3539-42E0-9F53-483F15259ADE}" type="datetimeFigureOut">
               <a:rPr lang="en-US" smtClean="0"/>
-              <a:t>12/9/2018</a:t>
+              <a:t>12/13/2018</a:t>
             </a:fld>
             <a:endParaRPr lang="en-US"/>
           </a:p>
@@ -1008,7 +1008,7 @@
           <a:p>
             <a:fld id="{0618B01E-3539-42E0-9F53-483F15259ADE}" type="datetimeFigureOut">
               <a:rPr lang="en-US" smtClean="0"/>
-              <a:t>12/9/2018</a:t>
+              <a:t>12/13/2018</a:t>
             </a:fld>
             <a:endParaRPr lang="en-US"/>
           </a:p>
@@ -1240,7 +1240,7 @@
           <a:p>
             <a:fld id="{0618B01E-3539-42E0-9F53-483F15259ADE}" type="datetimeFigureOut">
               <a:rPr lang="en-US" smtClean="0"/>
-              <a:t>12/9/2018</a:t>
+              <a:t>12/13/2018</a:t>
             </a:fld>
             <a:endParaRPr lang="en-US"/>
           </a:p>
@@ -1607,7 +1607,7 @@
           <a:p>
             <a:fld id="{0618B01E-3539-42E0-9F53-483F15259ADE}" type="datetimeFigureOut">
               <a:rPr lang="en-US" smtClean="0"/>
-              <a:t>12/9/2018</a:t>
+              <a:t>12/13/2018</a:t>
             </a:fld>
             <a:endParaRPr lang="en-US"/>
           </a:p>
@@ -1725,7 +1725,7 @@
           <a:p>
             <a:fld id="{0618B01E-3539-42E0-9F53-483F15259ADE}" type="datetimeFigureOut">
               <a:rPr lang="en-US" smtClean="0"/>
-              <a:t>12/9/2018</a:t>
+              <a:t>12/13/2018</a:t>
             </a:fld>
             <a:endParaRPr lang="en-US"/>
           </a:p>
@@ -1820,7 +1820,7 @@
           <a:p>
             <a:fld id="{0618B01E-3539-42E0-9F53-483F15259ADE}" type="datetimeFigureOut">
               <a:rPr lang="en-US" smtClean="0"/>
-              <a:t>12/9/2018</a:t>
+              <a:t>12/13/2018</a:t>
             </a:fld>
             <a:endParaRPr lang="en-US"/>
           </a:p>
@@ -2097,7 +2097,7 @@
           <a:p>
             <a:fld id="{0618B01E-3539-42E0-9F53-483F15259ADE}" type="datetimeFigureOut">
               <a:rPr lang="en-US" smtClean="0"/>
-              <a:t>12/9/2018</a:t>
+              <a:t>12/13/2018</a:t>
             </a:fld>
             <a:endParaRPr lang="en-US"/>
           </a:p>
@@ -2354,7 +2354,7 @@
           <a:p>
             <a:fld id="{0618B01E-3539-42E0-9F53-483F15259ADE}" type="datetimeFigureOut">
               <a:rPr lang="en-US" smtClean="0"/>
-              <a:t>12/9/2018</a:t>
+              <a:t>12/13/2018</a:t>
             </a:fld>
             <a:endParaRPr lang="en-US"/>
           </a:p>
@@ -2567,7 +2567,7 @@
           <a:p>
             <a:fld id="{0618B01E-3539-42E0-9F53-483F15259ADE}" type="datetimeFigureOut">
               <a:rPr lang="en-US" smtClean="0"/>
-              <a:t>12/9/2018</a:t>
+              <a:t>12/13/2018</a:t>
             </a:fld>
             <a:endParaRPr lang="en-US"/>
           </a:p>
@@ -3054,67 +3054,7 @@
         </p:blipFill>
         <p:spPr>
           <a:xfrm>
-            <a:off x="9240690" y="5496172"/>
-            <a:ext cx="957943" cy="5747658"/>
-          </a:xfrm>
-          <a:prstGeom prst="rect">
-            <a:avLst/>
-          </a:prstGeom>
-        </p:spPr>
-      </p:pic>
-      <p:pic>
-        <p:nvPicPr>
-          <p:cNvPr id="7" name="Picture 6" descr="[NAME=PIPEDOWN2];&#10;[MEMORY];&#10;[COMPRESIONLEVEL=2];&#10;[MOVEABLE];&#10;[VISIBLE];&#10;[COLLIDING=tuberias];&#10;"/>
-          <p:cNvPicPr>
-            <a:picLocks noChangeAspect="1"/>
-          </p:cNvPicPr>
-          <p:nvPr/>
-        </p:nvPicPr>
-        <p:blipFill>
-          <a:blip r:embed="rId3">
-            <a:extLst>
-              <a:ext uri="{28A0092B-C50C-407E-A947-70E740481C1C}">
-                <a14:useLocalDpi xmlns:a14="http://schemas.microsoft.com/office/drawing/2010/main" val="0"/>
-              </a:ext>
-            </a:extLst>
-          </a:blip>
-          <a:stretch>
-            <a:fillRect/>
-          </a:stretch>
-        </p:blipFill>
-        <p:spPr>
-          <a:xfrm>
-            <a:off x="9622971" y="4741532"/>
-            <a:ext cx="957943" cy="5747658"/>
-          </a:xfrm>
-          <a:prstGeom prst="rect">
-            <a:avLst/>
-          </a:prstGeom>
-        </p:spPr>
-      </p:pic>
-      <p:pic>
-        <p:nvPicPr>
-          <p:cNvPr id="8" name="Picture 7" descr="[NAME=PIPEDOWN3];&#10;[MEMORY];&#10;[COMPRESIONLEVEL=2];&#10;[MOVEABLE];&#10;[VISIBLE];&#10;[COLLIDING=tuberias];&#10;"/>
-          <p:cNvPicPr>
-            <a:picLocks noChangeAspect="1"/>
-          </p:cNvPicPr>
-          <p:nvPr/>
-        </p:nvPicPr>
-        <p:blipFill>
-          <a:blip r:embed="rId3">
-            <a:extLst>
-              <a:ext uri="{28A0092B-C50C-407E-A947-70E740481C1C}">
-                <a14:useLocalDpi xmlns:a14="http://schemas.microsoft.com/office/drawing/2010/main" val="0"/>
-              </a:ext>
-            </a:extLst>
-          </a:blip>
-          <a:stretch>
-            <a:fillRect/>
-          </a:stretch>
-        </p:blipFill>
-        <p:spPr>
-          <a:xfrm>
-            <a:off x="10005252" y="3984171"/>
+            <a:off x="9987955" y="5539493"/>
             <a:ext cx="957943" cy="5747658"/>
           </a:xfrm>
           <a:prstGeom prst="rect">
@@ -3182,69 +3122,72 @@
           </a:prstGeom>
         </p:spPr>
       </p:pic>
-      <p:pic>
-        <p:nvPicPr>
-          <p:cNvPr id="11" name="Picture 10" descr="[NAME=PIPEUP2];&#10;[MEMORY];&#10;[COMPRESIONLEVEL=2];&#10;[MOVEABLE];&#10;[VISIBLE];&#10;[SKIPY];&#10;[COLLIDING=tuberias];"/>
-          <p:cNvPicPr>
-            <a:picLocks noChangeAspect="1"/>
-          </p:cNvPicPr>
+      <p:sp>
+        <p:nvSpPr>
+          <p:cNvPr id="9" name="Rectangle 8"/>
+          <p:cNvSpPr/>
           <p:nvPr/>
-        </p:nvPicPr>
-        <p:blipFill>
-          <a:blip r:embed="rId5">
-            <a:extLst>
-              <a:ext uri="{28A0092B-C50C-407E-A947-70E740481C1C}">
-                <a14:useLocalDpi xmlns:a14="http://schemas.microsoft.com/office/drawing/2010/main" val="0"/>
-              </a:ext>
-            </a:extLst>
-          </a:blip>
-          <a:stretch>
-            <a:fillRect/>
-          </a:stretch>
-        </p:blipFill>
-        <p:spPr>
-          <a:xfrm>
-            <a:off x="9276420" y="-4669592"/>
-            <a:ext cx="957943" cy="5747664"/>
+        </p:nvSpPr>
+        <p:spPr>
+          <a:xfrm>
+            <a:off x="9526" y="2721"/>
+            <a:ext cx="1055794" cy="6858000"/>
           </a:xfrm>
           <a:prstGeom prst="rect">
             <a:avLst/>
           </a:prstGeom>
-        </p:spPr>
-      </p:pic>
+          <a:solidFill>
+            <a:schemeClr val="accent5">
+              <a:lumMod val="75000"/>
+            </a:schemeClr>
+          </a:solidFill>
+          <a:ln w="57150">
+            <a:solidFill>
+              <a:schemeClr val="tx2">
+                <a:lumMod val="50000"/>
+              </a:schemeClr>
+            </a:solidFill>
+          </a:ln>
+        </p:spPr>
+        <p:style>
+          <a:lnRef idx="2">
+            <a:schemeClr val="accent3">
+              <a:shade val="50000"/>
+            </a:schemeClr>
+          </a:lnRef>
+          <a:fillRef idx="1">
+            <a:schemeClr val="accent3"/>
+          </a:fillRef>
+          <a:effectRef idx="0">
+            <a:schemeClr val="accent3"/>
+          </a:effectRef>
+          <a:fontRef idx="minor">
+            <a:schemeClr val="lt1"/>
+          </a:fontRef>
+        </p:style>
+        <p:txBody>
+          <a:bodyPr rtlCol="0" anchor="ctr"/>
+          <a:lstStyle/>
+          <a:p>
+            <a:pPr algn="ctr"/>
+            <a:r>
+              <a:rPr lang="en-US" dirty="0" smtClean="0"/>
+              <a:t>[NAME=LEFTBOX];</a:t>
+            </a:r>
+          </a:p>
+          <a:p>
+            <a:pPr algn="ctr"/>
+            <a:r>
+              <a:rPr lang="en-US" dirty="0" smtClean="0"/>
+              <a:t>[BORDER];</a:t>
+            </a:r>
+            <a:endParaRPr lang="en-US" dirty="0"/>
+          </a:p>
+        </p:txBody>
+      </p:sp>
       <p:pic>
         <p:nvPicPr>
-          <p:cNvPr id="12" name="Picture 11" descr="[NAME=PIPEUP3];&#10;[MEMORY];&#10;[COMPRESIONLEVEL=2];&#10;[MOVEABLE];&#10;[VISIBLE];&#10;[SKIPY];&#10;[COLLIDING=tuberias];"/>
-          <p:cNvPicPr>
-            <a:picLocks noChangeAspect="1"/>
-          </p:cNvPicPr>
-          <p:nvPr/>
-        </p:nvPicPr>
-        <p:blipFill>
-          <a:blip r:embed="rId5">
-            <a:extLst>
-              <a:ext uri="{28A0092B-C50C-407E-A947-70E740481C1C}">
-                <a14:useLocalDpi xmlns:a14="http://schemas.microsoft.com/office/drawing/2010/main" val="0"/>
-              </a:ext>
-            </a:extLst>
-          </a:blip>
-          <a:stretch>
-            <a:fillRect/>
-          </a:stretch>
-        </p:blipFill>
-        <p:spPr>
-          <a:xfrm>
-            <a:off x="9605410" y="-3592502"/>
-            <a:ext cx="957943" cy="5747664"/>
-          </a:xfrm>
-          <a:prstGeom prst="rect">
-            <a:avLst/>
-          </a:prstGeom>
-        </p:spPr>
-      </p:pic>
-      <p:pic>
-        <p:nvPicPr>
-          <p:cNvPr id="16" name="Picture 15" descr="[MOVEABLE];&#10;[NAME=cloud2];&#10;[MEMORY];&#10;[BOUNCING];&#10;[BOUNDSX=125,580];&#10;[BOUNDSY=40,150];&#10;[AnimationSpeed=3];"/>
+          <p:cNvPr id="4" name="Picture 3" descr="[MOVEABLE];&#10;[NAME=cloud1];&#10;[MEMORY];&#10;[BOUNCING];&#10;[BOUNDSX=225,510];&#10;[BOUNDSY=20,120];&#10;[AnimationSpeed=1];&#10;[SPRITES=3];&#10;[COLLIDING=power];&#10;"/>
           <p:cNvPicPr>
             <a:picLocks noChangeAspect="1"/>
           </p:cNvPicPr>
@@ -3264,8 +3207,8 @@
         </p:blipFill>
         <p:spPr>
           <a:xfrm>
-            <a:off x="5044933" y="2375405"/>
-            <a:ext cx="446353" cy="474250"/>
+            <a:off x="2597788" y="603822"/>
+            <a:ext cx="1339059" cy="474250"/>
           </a:xfrm>
           <a:prstGeom prst="rect">
             <a:avLst/>
@@ -3274,7 +3217,97 @@
       </p:pic>
       <p:pic>
         <p:nvPicPr>
-          <p:cNvPr id="17" name="Picture 16" descr="[MOVEABLE];&#10;[NAME=cloud3];&#10;[MEMORY];&#10;[BOUNCING];&#10;[BOUNDSX=115,600];&#10;[BOUNDSY=70,180];&#10;[AnimationSpeed=5];"/>
+          <p:cNvPr id="13" name="Picture 12" descr="[NAME=h1];&#10;[MEMORY];&#10;[VISIBLE];&#10;[MOVEABLE];&#10;[BOUNCING];&#10;[BOUNDSX=125,580];&#10;[BOUNDSY=40,150];&#10;[AnimationSpeed=0];"/>
+          <p:cNvPicPr>
+            <a:picLocks noChangeAspect="1"/>
+          </p:cNvPicPr>
+          <p:nvPr/>
+        </p:nvPicPr>
+        <p:blipFill>
+          <a:blip r:embed="rId7">
+            <a:extLst>
+              <a:ext uri="{28A0092B-C50C-407E-A947-70E740481C1C}">
+                <a14:useLocalDpi xmlns:a14="http://schemas.microsoft.com/office/drawing/2010/main" val="0"/>
+              </a:ext>
+            </a:extLst>
+          </a:blip>
+          <a:stretch>
+            <a:fillRect/>
+          </a:stretch>
+        </p:blipFill>
+        <p:spPr>
+          <a:xfrm>
+            <a:off x="112820" y="365737"/>
+            <a:ext cx="837056" cy="761721"/>
+          </a:xfrm>
+          <a:prstGeom prst="rect">
+            <a:avLst/>
+          </a:prstGeom>
+        </p:spPr>
+      </p:pic>
+      <p:pic>
+        <p:nvPicPr>
+          <p:cNvPr id="18" name="Picture 17" descr="[NAME=h2];&#10;[MEMORY];&#10;[VISIBLE];&#10;[MOVEABLE];&#10;[BOUNCING];&#10;[BOUNDSX=125,580];&#10;[BOUNDSY=40,150];&#10;[AnimationSpeed=0];"/>
+          <p:cNvPicPr>
+            <a:picLocks noChangeAspect="1"/>
+          </p:cNvPicPr>
+          <p:nvPr/>
+        </p:nvPicPr>
+        <p:blipFill>
+          <a:blip r:embed="rId7">
+            <a:extLst>
+              <a:ext uri="{28A0092B-C50C-407E-A947-70E740481C1C}">
+                <a14:useLocalDpi xmlns:a14="http://schemas.microsoft.com/office/drawing/2010/main" val="0"/>
+              </a:ext>
+            </a:extLst>
+          </a:blip>
+          <a:stretch>
+            <a:fillRect/>
+          </a:stretch>
+        </p:blipFill>
+        <p:spPr>
+          <a:xfrm>
+            <a:off x="107120" y="1311866"/>
+            <a:ext cx="837056" cy="761721"/>
+          </a:xfrm>
+          <a:prstGeom prst="rect">
+            <a:avLst/>
+          </a:prstGeom>
+        </p:spPr>
+      </p:pic>
+      <p:pic>
+        <p:nvPicPr>
+          <p:cNvPr id="20" name="Picture 19" descr="[NAME=h3];&#10;[MEMORY];&#10;[VISIBLE];&#10;[MOVEABLE];&#10;[BOUNCING];&#10;[BOUNDSX=125,580];&#10;[BOUNDSY=40,150];&#10;[AnimationSpeed=0];&#10;"/>
+          <p:cNvPicPr>
+            <a:picLocks noChangeAspect="1"/>
+          </p:cNvPicPr>
+          <p:nvPr/>
+        </p:nvPicPr>
+        <p:blipFill>
+          <a:blip r:embed="rId7">
+            <a:extLst>
+              <a:ext uri="{28A0092B-C50C-407E-A947-70E740481C1C}">
+                <a14:useLocalDpi xmlns:a14="http://schemas.microsoft.com/office/drawing/2010/main" val="0"/>
+              </a:ext>
+            </a:extLst>
+          </a:blip>
+          <a:stretch>
+            <a:fillRect/>
+          </a:stretch>
+        </p:blipFill>
+        <p:spPr>
+          <a:xfrm>
+            <a:off x="107120" y="2258135"/>
+            <a:ext cx="837056" cy="761721"/>
+          </a:xfrm>
+          <a:prstGeom prst="rect">
+            <a:avLst/>
+          </a:prstGeom>
+        </p:spPr>
+      </p:pic>
+      <p:pic>
+        <p:nvPicPr>
+          <p:cNvPr id="21" name="Picture 20" descr="[MOVEABLE];&#10;[NAME=cloud2];&#10;[MEMORY];&#10;[BOUNCING];&#10;[BOUNDSX=225,510];&#10;[BOUNDSY=20,120];&#10;[AnimationSpeed=3];&#10;[SPRITES=3];&#10;[COLLIDING=power];&#10;"/>
           <p:cNvPicPr>
             <a:picLocks noChangeAspect="1"/>
           </p:cNvPicPr>
@@ -3294,100 +3327,7 @@
         </p:blipFill>
         <p:spPr>
           <a:xfrm>
-            <a:off x="6663632" y="1426400"/>
-            <a:ext cx="446353" cy="474250"/>
-          </a:xfrm>
-          <a:prstGeom prst="rect">
-            <a:avLst/>
-          </a:prstGeom>
-        </p:spPr>
-      </p:pic>
-      <p:sp>
-        <p:nvSpPr>
-          <p:cNvPr id="9" name="Rectangle 8"/>
-          <p:cNvSpPr/>
-          <p:nvPr/>
-        </p:nvSpPr>
-        <p:spPr>
-          <a:xfrm>
-            <a:off x="9526" y="2721"/>
-            <a:ext cx="1055794" cy="6858000"/>
-          </a:xfrm>
-          <a:prstGeom prst="rect">
-            <a:avLst/>
-          </a:prstGeom>
-          <a:solidFill>
-            <a:schemeClr val="accent5">
-              <a:lumMod val="75000"/>
-            </a:schemeClr>
-          </a:solidFill>
-          <a:ln w="57150">
-            <a:solidFill>
-              <a:schemeClr val="tx2">
-                <a:lumMod val="50000"/>
-              </a:schemeClr>
-            </a:solidFill>
-          </a:ln>
-        </p:spPr>
-        <p:style>
-          <a:lnRef idx="2">
-            <a:schemeClr val="accent3">
-              <a:shade val="50000"/>
-            </a:schemeClr>
-          </a:lnRef>
-          <a:fillRef idx="1">
-            <a:schemeClr val="accent3"/>
-          </a:fillRef>
-          <a:effectRef idx="0">
-            <a:schemeClr val="accent3"/>
-          </a:effectRef>
-          <a:fontRef idx="minor">
-            <a:schemeClr val="lt1"/>
-          </a:fontRef>
-        </p:style>
-        <p:txBody>
-          <a:bodyPr rtlCol="0" anchor="ctr"/>
-          <a:lstStyle/>
-          <a:p>
-            <a:pPr algn="ctr"/>
-            <a:r>
-              <a:rPr lang="en-US" dirty="0" smtClean="0"/>
-              <a:t>[NAME=LEFTBOX];</a:t>
-            </a:r>
-          </a:p>
-          <a:p>
-            <a:pPr algn="ctr"/>
-            <a:r>
-              <a:rPr lang="en-US" dirty="0" smtClean="0"/>
-              <a:t>[BORDER];</a:t>
-            </a:r>
-            <a:endParaRPr lang="en-US" dirty="0"/>
-          </a:p>
-        </p:txBody>
-      </p:sp>
-      <p:pic>
-        <p:nvPicPr>
-          <p:cNvPr id="4" name="Picture 3" descr="[MOVEABLE];&#10;[NAME=cloud1];&#10;[MEMORY];&#10;[BOUNCING];&#10;[BOUNDSX=225,510];&#10;[BOUNDSY=20,120];&#10;[AnimationSpeed=1];&#10;[SPRITES=3];"/>
-          <p:cNvPicPr>
-            <a:picLocks noChangeAspect="1"/>
-          </p:cNvPicPr>
-          <p:nvPr/>
-        </p:nvPicPr>
-        <p:blipFill>
-          <a:blip r:embed="rId7">
-            <a:extLst>
-              <a:ext uri="{28A0092B-C50C-407E-A947-70E740481C1C}">
-                <a14:useLocalDpi xmlns:a14="http://schemas.microsoft.com/office/drawing/2010/main" val="0"/>
-              </a:ext>
-            </a:extLst>
-          </a:blip>
-          <a:stretch>
-            <a:fillRect/>
-          </a:stretch>
-        </p:blipFill>
-        <p:spPr>
-          <a:xfrm>
-            <a:off x="2597788" y="603822"/>
+            <a:off x="5184315" y="1783885"/>
             <a:ext cx="1339059" cy="474250"/>
           </a:xfrm>
           <a:prstGeom prst="rect">
@@ -3417,8 +3357,239 @@
         </p:blipFill>
         <p:spPr>
           <a:xfrm>
-            <a:off x="2597788" y="3232252"/>
+            <a:off x="2771625" y="3676001"/>
             <a:ext cx="13610596" cy="899975"/>
+          </a:xfrm>
+          <a:prstGeom prst="rect">
+            <a:avLst/>
+          </a:prstGeom>
+        </p:spPr>
+      </p:pic>
+      <p:sp>
+        <p:nvSpPr>
+          <p:cNvPr id="24" name="Rectangle 23"/>
+          <p:cNvSpPr/>
+          <p:nvPr/>
+        </p:nvSpPr>
+        <p:spPr>
+          <a:xfrm>
+            <a:off x="2597788" y="3231472"/>
+            <a:ext cx="1050934" cy="905522"/>
+          </a:xfrm>
+          <a:prstGeom prst="rect">
+            <a:avLst/>
+          </a:prstGeom>
+          <a:noFill/>
+          <a:ln>
+            <a:solidFill>
+              <a:schemeClr val="tx1"/>
+            </a:solidFill>
+          </a:ln>
+        </p:spPr>
+        <p:style>
+          <a:lnRef idx="2">
+            <a:schemeClr val="accent1">
+              <a:shade val="50000"/>
+            </a:schemeClr>
+          </a:lnRef>
+          <a:fillRef idx="1">
+            <a:schemeClr val="accent1"/>
+          </a:fillRef>
+          <a:effectRef idx="0">
+            <a:schemeClr val="accent1"/>
+          </a:effectRef>
+          <a:fontRef idx="minor">
+            <a:schemeClr val="lt1"/>
+          </a:fontRef>
+        </p:style>
+        <p:txBody>
+          <a:bodyPr rtlCol="0" anchor="ctr"/>
+          <a:lstStyle/>
+          <a:p>
+            <a:pPr algn="ctr"/>
+            <a:r>
+              <a:rPr lang="en-US" sz="900" dirty="0">
+                <a:solidFill>
+                  <a:schemeClr val="tx1"/>
+                </a:solidFill>
+              </a:rPr>
+              <a:t>[MOVEABLE];</a:t>
+            </a:r>
+          </a:p>
+          <a:p>
+            <a:pPr algn="ctr"/>
+            <a:r>
+              <a:rPr lang="en-US" sz="900" dirty="0">
+                <a:solidFill>
+                  <a:schemeClr val="tx1"/>
+                </a:solidFill>
+              </a:rPr>
+              <a:t>[</a:t>
+            </a:r>
+            <a:r>
+              <a:rPr lang="en-US" sz="900" dirty="0" smtClean="0">
+                <a:solidFill>
+                  <a:schemeClr val="tx1"/>
+                </a:solidFill>
+              </a:rPr>
+              <a:t>NAME=fake];</a:t>
+            </a:r>
+            <a:endParaRPr lang="en-US" sz="900" dirty="0">
+              <a:solidFill>
+                <a:schemeClr val="tx1"/>
+              </a:solidFill>
+            </a:endParaRPr>
+          </a:p>
+          <a:p>
+            <a:pPr algn="ctr"/>
+            <a:r>
+              <a:rPr lang="en-US" sz="900" dirty="0" smtClean="0">
+                <a:solidFill>
+                  <a:schemeClr val="tx1"/>
+                </a:solidFill>
+              </a:rPr>
+              <a:t>[COLLIDING=power];</a:t>
+            </a:r>
+            <a:endParaRPr lang="en-US" sz="900" dirty="0">
+              <a:solidFill>
+                <a:schemeClr val="tx1"/>
+              </a:solidFill>
+            </a:endParaRPr>
+          </a:p>
+        </p:txBody>
+      </p:sp>
+      <p:sp>
+        <p:nvSpPr>
+          <p:cNvPr id="15" name="Rectangle 14"/>
+          <p:cNvSpPr/>
+          <p:nvPr/>
+        </p:nvSpPr>
+        <p:spPr>
+          <a:xfrm>
+            <a:off x="1452789" y="1537796"/>
+            <a:ext cx="6691644" cy="4600662"/>
+          </a:xfrm>
+          <a:prstGeom prst="rect">
+            <a:avLst/>
+          </a:prstGeom>
+          <a:solidFill>
+            <a:schemeClr val="bg2">
+              <a:lumMod val="50000"/>
+            </a:schemeClr>
+          </a:solidFill>
+          <a:ln w="57150">
+            <a:solidFill>
+              <a:schemeClr val="bg2">
+                <a:lumMod val="10000"/>
+              </a:schemeClr>
+            </a:solidFill>
+          </a:ln>
+        </p:spPr>
+        <p:style>
+          <a:lnRef idx="2">
+            <a:schemeClr val="accent1">
+              <a:shade val="50000"/>
+            </a:schemeClr>
+          </a:lnRef>
+          <a:fillRef idx="1">
+            <a:schemeClr val="accent1"/>
+          </a:fillRef>
+          <a:effectRef idx="0">
+            <a:schemeClr val="accent1"/>
+          </a:effectRef>
+          <a:fontRef idx="minor">
+            <a:schemeClr val="lt1"/>
+          </a:fontRef>
+        </p:style>
+        <p:txBody>
+          <a:bodyPr rtlCol="0" anchor="ctr"/>
+          <a:lstStyle/>
+          <a:p>
+            <a:pPr algn="ctr"/>
+            <a:r>
+              <a:rPr lang="en-US" dirty="0" smtClean="0"/>
+              <a:t>[NAME=LOSEBOX];</a:t>
+            </a:r>
+          </a:p>
+          <a:p>
+            <a:pPr algn="ctr"/>
+            <a:r>
+              <a:rPr lang="en-US" dirty="0" smtClean="0"/>
+              <a:t>[</a:t>
+            </a:r>
+            <a:r>
+              <a:rPr lang="en-US" dirty="0"/>
+              <a:t>BORDER</a:t>
+            </a:r>
+            <a:r>
+              <a:rPr lang="en-US" dirty="0" smtClean="0"/>
+              <a:t>];</a:t>
+            </a:r>
+          </a:p>
+          <a:p>
+            <a:pPr algn="ctr"/>
+            <a:r>
+              <a:rPr lang="en-US" dirty="0" smtClean="0"/>
+              <a:t>[MOVEABLE];</a:t>
+            </a:r>
+            <a:endParaRPr lang="en-US" dirty="0"/>
+          </a:p>
+        </p:txBody>
+      </p:sp>
+      <p:pic>
+        <p:nvPicPr>
+          <p:cNvPr id="22" name="Picture 21" descr="[NAME=go1];&#10;[MEMORY];&#10;[VISIBLE];&#10;[MOVEABLE];&#10;[BOUNCING];&#10;[BOUNDSX=125,580];&#10;[BOUNDSY=40,150];&#10;[AnimationSpeed=0];&#10;[COMPRESIONLEVEL=2];&#10;"/>
+          <p:cNvPicPr>
+            <a:picLocks noChangeAspect="1"/>
+          </p:cNvPicPr>
+          <p:nvPr/>
+        </p:nvPicPr>
+        <p:blipFill>
+          <a:blip r:embed="rId9">
+            <a:extLst>
+              <a:ext uri="{28A0092B-C50C-407E-A947-70E740481C1C}">
+                <a14:useLocalDpi xmlns:a14="http://schemas.microsoft.com/office/drawing/2010/main" val="0"/>
+              </a:ext>
+            </a:extLst>
+          </a:blip>
+          <a:stretch>
+            <a:fillRect/>
+          </a:stretch>
+        </p:blipFill>
+        <p:spPr>
+          <a:xfrm>
+            <a:off x="1871089" y="2503726"/>
+            <a:ext cx="5855045" cy="1772338"/>
+          </a:xfrm>
+          <a:prstGeom prst="rect">
+            <a:avLst/>
+          </a:prstGeom>
+        </p:spPr>
+      </p:pic>
+      <p:pic>
+        <p:nvPicPr>
+          <p:cNvPr id="23" name="Picture 22" descr="[NAME=go2];&#10;[MEMORY];&#10;[VISIBLE];&#10;[MOVEABLE];&#10;[BOUNCING];&#10;[BOUNDSX=125,580];&#10;[BOUNDSY=40,150];&#10;[AnimationSpeed=0];&#10;[COMPRESIONLEVEL=2];&#10;"/>
+          <p:cNvPicPr>
+            <a:picLocks noChangeAspect="1"/>
+          </p:cNvPicPr>
+          <p:nvPr/>
+        </p:nvPicPr>
+        <p:blipFill>
+          <a:blip r:embed="rId10">
+            <a:extLst>
+              <a:ext uri="{28A0092B-C50C-407E-A947-70E740481C1C}">
+                <a14:useLocalDpi xmlns:a14="http://schemas.microsoft.com/office/drawing/2010/main" val="0"/>
+              </a:ext>
+            </a:extLst>
+          </a:blip>
+          <a:stretch>
+            <a:fillRect/>
+          </a:stretch>
+        </p:blipFill>
+        <p:spPr>
+          <a:xfrm>
+            <a:off x="1894832" y="2541910"/>
+            <a:ext cx="5803021" cy="1756590"/>
           </a:xfrm>
           <a:prstGeom prst="rect">
             <a:avLst/>

--- a/RealGame/PPVerilogEngine/main.pptx
+++ b/RealGame/PPVerilogEngine/main.pptx
@@ -244,7 +244,7 @@
           <a:p>
             <a:fld id="{0618B01E-3539-42E0-9F53-483F15259ADE}" type="datetimeFigureOut">
               <a:rPr lang="en-US" smtClean="0"/>
-              <a:t>12/13/2018</a:t>
+              <a:t>12/14/2018</a:t>
             </a:fld>
             <a:endParaRPr lang="en-US"/>
           </a:p>
@@ -414,7 +414,7 @@
           <a:p>
             <a:fld id="{0618B01E-3539-42E0-9F53-483F15259ADE}" type="datetimeFigureOut">
               <a:rPr lang="en-US" smtClean="0"/>
-              <a:t>12/13/2018</a:t>
+              <a:t>12/14/2018</a:t>
             </a:fld>
             <a:endParaRPr lang="en-US"/>
           </a:p>
@@ -594,7 +594,7 @@
           <a:p>
             <a:fld id="{0618B01E-3539-42E0-9F53-483F15259ADE}" type="datetimeFigureOut">
               <a:rPr lang="en-US" smtClean="0"/>
-              <a:t>12/13/2018</a:t>
+              <a:t>12/14/2018</a:t>
             </a:fld>
             <a:endParaRPr lang="en-US"/>
           </a:p>
@@ -764,7 +764,7 @@
           <a:p>
             <a:fld id="{0618B01E-3539-42E0-9F53-483F15259ADE}" type="datetimeFigureOut">
               <a:rPr lang="en-US" smtClean="0"/>
-              <a:t>12/13/2018</a:t>
+              <a:t>12/14/2018</a:t>
             </a:fld>
             <a:endParaRPr lang="en-US"/>
           </a:p>
@@ -1008,7 +1008,7 @@
           <a:p>
             <a:fld id="{0618B01E-3539-42E0-9F53-483F15259ADE}" type="datetimeFigureOut">
               <a:rPr lang="en-US" smtClean="0"/>
-              <a:t>12/13/2018</a:t>
+              <a:t>12/14/2018</a:t>
             </a:fld>
             <a:endParaRPr lang="en-US"/>
           </a:p>
@@ -1240,7 +1240,7 @@
           <a:p>
             <a:fld id="{0618B01E-3539-42E0-9F53-483F15259ADE}" type="datetimeFigureOut">
               <a:rPr lang="en-US" smtClean="0"/>
-              <a:t>12/13/2018</a:t>
+              <a:t>12/14/2018</a:t>
             </a:fld>
             <a:endParaRPr lang="en-US"/>
           </a:p>
@@ -1607,7 +1607,7 @@
           <a:p>
             <a:fld id="{0618B01E-3539-42E0-9F53-483F15259ADE}" type="datetimeFigureOut">
               <a:rPr lang="en-US" smtClean="0"/>
-              <a:t>12/13/2018</a:t>
+              <a:t>12/14/2018</a:t>
             </a:fld>
             <a:endParaRPr lang="en-US"/>
           </a:p>
@@ -1725,7 +1725,7 @@
           <a:p>
             <a:fld id="{0618B01E-3539-42E0-9F53-483F15259ADE}" type="datetimeFigureOut">
               <a:rPr lang="en-US" smtClean="0"/>
-              <a:t>12/13/2018</a:t>
+              <a:t>12/14/2018</a:t>
             </a:fld>
             <a:endParaRPr lang="en-US"/>
           </a:p>
@@ -1820,7 +1820,7 @@
           <a:p>
             <a:fld id="{0618B01E-3539-42E0-9F53-483F15259ADE}" type="datetimeFigureOut">
               <a:rPr lang="en-US" smtClean="0"/>
-              <a:t>12/13/2018</a:t>
+              <a:t>12/14/2018</a:t>
             </a:fld>
             <a:endParaRPr lang="en-US"/>
           </a:p>
@@ -2097,7 +2097,7 @@
           <a:p>
             <a:fld id="{0618B01E-3539-42E0-9F53-483F15259ADE}" type="datetimeFigureOut">
               <a:rPr lang="en-US" smtClean="0"/>
-              <a:t>12/13/2018</a:t>
+              <a:t>12/14/2018</a:t>
             </a:fld>
             <a:endParaRPr lang="en-US"/>
           </a:p>
@@ -2354,7 +2354,7 @@
           <a:p>
             <a:fld id="{0618B01E-3539-42E0-9F53-483F15259ADE}" type="datetimeFigureOut">
               <a:rPr lang="en-US" smtClean="0"/>
-              <a:t>12/13/2018</a:t>
+              <a:t>12/14/2018</a:t>
             </a:fld>
             <a:endParaRPr lang="en-US"/>
           </a:p>
@@ -2567,7 +2567,7 @@
           <a:p>
             <a:fld id="{0618B01E-3539-42E0-9F53-483F15259ADE}" type="datetimeFigureOut">
               <a:rPr lang="en-US" smtClean="0"/>
-              <a:t>12/13/2018</a:t>
+              <a:t>12/14/2018</a:t>
             </a:fld>
             <a:endParaRPr lang="en-US"/>
           </a:p>
